--- a/無心道快速开发演示文稿.pptx
+++ b/無心道快速开发演示文稿.pptx
@@ -15,11 +15,13 @@
     <p:sldId id="263" r:id="rId10"/>
     <p:sldId id="264" r:id="rId11"/>
     <p:sldId id="265" r:id="rId12"/>
+    <p:sldId id="266" r:id="rId13"/>
+    <p:sldId id="267" r:id="rId14"/>
   </p:sldIdLst>
   <p:sldSz cx="12192000" cy="6858000"/>
   <p:notesSz cx="6858000" cy="9144000"/>
   <p:custDataLst>
-    <p:tags r:id="rId16"/>
+    <p:tags r:id="rId18"/>
   </p:custDataLst>
   <p:defaultTextStyle>
     <a:defPPr>
@@ -3248,6 +3250,429 @@
 </p:sld>
 </file>
 
+<file path=ppt/slides/slide11.xml><?xml version="1.0" encoding="utf-8"?>
+<p:sld xmlns:a="http://schemas.openxmlformats.org/drawingml/2006/main" xmlns:r="http://schemas.openxmlformats.org/officeDocument/2006/relationships" xmlns:p="http://schemas.openxmlformats.org/presentationml/2006/main">
+  <p:cSld>
+    <p:spTree>
+      <p:nvGrpSpPr>
+        <p:cNvPr id="1" name=""/>
+        <p:cNvGrpSpPr/>
+        <p:nvPr/>
+      </p:nvGrpSpPr>
+      <p:grpSpPr/>
+      <p:sp>
+        <p:nvSpPr>
+          <p:cNvPr id="2" name="标题 1"/>
+          <p:cNvSpPr>
+            <a:spLocks noGrp="1"/>
+          </p:cNvSpPr>
+          <p:nvPr>
+            <p:ph type="title"/>
+          </p:nvPr>
+        </p:nvSpPr>
+        <p:spPr>
+          <a:xfrm>
+            <a:off x="838200" y="365125"/>
+            <a:ext cx="10515600" cy="845185"/>
+          </a:xfrm>
+        </p:spPr>
+        <p:txBody>
+          <a:bodyPr/>
+          <a:p>
+            <a:r>
+              <a:rPr lang="zh-CN" altLang="en-US"/>
+              <a:t>無心道</a:t>
+            </a:r>
+            <a:r>
+              <a:rPr lang="en-US" altLang="zh-CN"/>
+              <a:t>-010-</a:t>
+            </a:r>
+            <a:r>
+              <a:rPr lang="zh-CN"/>
+              <a:t>任务成就</a:t>
+            </a:r>
+            <a:endParaRPr lang="zh-CN"/>
+          </a:p>
+        </p:txBody>
+      </p:sp>
+      <p:sp>
+        <p:nvSpPr>
+          <p:cNvPr id="4" name="文本框 3"/>
+          <p:cNvSpPr txBox="1"/>
+          <p:nvPr/>
+        </p:nvSpPr>
+        <p:spPr>
+          <a:xfrm>
+            <a:off x="648335" y="1632585"/>
+            <a:ext cx="10510520" cy="5141595"/>
+          </a:xfrm>
+          <a:prstGeom prst="rect">
+            <a:avLst/>
+          </a:prstGeom>
+          <a:noFill/>
+        </p:spPr>
+        <p:txBody>
+          <a:bodyPr wrap="square" rtlCol="0">
+            <a:noAutofit/>
+          </a:bodyPr>
+          <a:p>
+            <a:r>
+              <a:rPr lang="zh-CN" altLang="en-US"/>
+              <a:t>任务</a:t>
+            </a:r>
+            <a:endParaRPr lang="zh-CN" altLang="en-US"/>
+          </a:p>
+          <a:p>
+            <a:pPr marL="800100" lvl="1" indent="-342900">
+              <a:buAutoNum type="arabicPeriod"/>
+            </a:pPr>
+            <a:r>
+              <a:rPr lang="zh-CN" altLang="en-US"/>
+              <a:t>初始化</a:t>
+            </a:r>
+            <a:endParaRPr lang="zh-CN" altLang="en-US"/>
+          </a:p>
+          <a:p>
+            <a:pPr marL="800100" lvl="1" indent="-342900">
+              <a:buAutoNum type="arabicPeriod"/>
+            </a:pPr>
+            <a:r>
+              <a:rPr lang="zh-CN" altLang="en-US"/>
+              <a:t>变更</a:t>
+            </a:r>
+            <a:endParaRPr lang="zh-CN" altLang="en-US"/>
+          </a:p>
+          <a:p>
+            <a:pPr marL="800100" lvl="1" indent="-342900">
+              <a:buAutoNum type="arabicPeriod"/>
+            </a:pPr>
+            <a:r>
+              <a:rPr lang="zh-CN" altLang="en-US"/>
+              <a:t>完成</a:t>
+            </a:r>
+            <a:endParaRPr lang="zh-CN" altLang="en-US"/>
+          </a:p>
+          <a:p>
+            <a:pPr marL="800100" lvl="1" indent="-342900">
+              <a:buAutoNum type="arabicPeriod"/>
+            </a:pPr>
+            <a:r>
+              <a:rPr lang="zh-CN" altLang="en-US"/>
+              <a:t>奖励</a:t>
+            </a:r>
+            <a:endParaRPr lang="zh-CN" altLang="en-US"/>
+          </a:p>
+          <a:p>
+            <a:pPr lvl="1" indent="0">
+              <a:buNone/>
+            </a:pPr>
+            <a:r>
+              <a:rPr lang="en-US" altLang="zh-CN"/>
+              <a:t>k1, k2, k3 </a:t>
+            </a:r>
+            <a:r>
+              <a:rPr lang="zh-CN" altLang="en-US"/>
+              <a:t>目标值</a:t>
+            </a:r>
+            <a:endParaRPr lang="zh-CN" altLang="en-US"/>
+          </a:p>
+          <a:p>
+            <a:pPr lvl="1" indent="0">
+              <a:buNone/>
+            </a:pPr>
+            <a:r>
+              <a:rPr lang="en-US" altLang="zh-CN"/>
+              <a:t>k1                 k2   k3         </a:t>
+            </a:r>
+            <a:r>
+              <a:rPr lang="zh-CN" altLang="en-US"/>
+              <a:t>目标</a:t>
+            </a:r>
+            <a:r>
+              <a:rPr lang="en-US" altLang="zh-CN"/>
+              <a:t>   </a:t>
+            </a:r>
+            <a:r>
+              <a:rPr lang="zh-CN" altLang="en-US"/>
+              <a:t>目标变更方式</a:t>
+            </a:r>
+            <a:endParaRPr lang="zh-CN" altLang="en-US"/>
+          </a:p>
+          <a:p>
+            <a:pPr marL="0" lvl="1" indent="457200">
+              <a:buNone/>
+            </a:pPr>
+            <a:r>
+              <a:rPr lang="en-US" altLang="zh-CN">
+                <a:sym typeface="+mn-ea"/>
+              </a:rPr>
+              <a:t>killmonster  0    0           10         updateType</a:t>
+            </a:r>
+            <a:endParaRPr lang="en-US" altLang="zh-CN">
+              <a:sym typeface="+mn-ea"/>
+            </a:endParaRPr>
+          </a:p>
+          <a:p>
+            <a:pPr lvl="1" indent="0">
+              <a:buNone/>
+            </a:pPr>
+            <a:r>
+              <a:rPr lang="en-US" altLang="zh-CN"/>
+              <a:t>killmonster </a:t>
+            </a:r>
+            <a:r>
+              <a:rPr lang="zh-CN" altLang="en-US"/>
+              <a:t>猪</a:t>
+            </a:r>
+            <a:r>
+              <a:rPr lang="en-US" altLang="zh-CN"/>
+              <a:t>   0           10</a:t>
+            </a:r>
+            <a:endParaRPr lang="en-US" altLang="zh-CN"/>
+          </a:p>
+          <a:p>
+            <a:pPr marL="0" lvl="1" indent="0">
+              <a:buNone/>
+            </a:pPr>
+            <a:r>
+              <a:rPr lang="en-US" altLang="zh-CN">
+                <a:sym typeface="+mn-ea"/>
+              </a:rPr>
+              <a:t>         killmonster </a:t>
+            </a:r>
+            <a:r>
+              <a:rPr lang="zh-CN" altLang="en-US">
+                <a:sym typeface="+mn-ea"/>
+              </a:rPr>
+              <a:t>猪</a:t>
+            </a:r>
+            <a:r>
+              <a:rPr lang="en-US" altLang="zh-CN">
+                <a:sym typeface="+mn-ea"/>
+              </a:rPr>
+              <a:t>   1001    10</a:t>
+            </a:r>
+            <a:endParaRPr lang="en-US" altLang="zh-CN">
+              <a:sym typeface="+mn-ea"/>
+            </a:endParaRPr>
+          </a:p>
+          <a:p>
+            <a:pPr marL="0" lvl="1" indent="0">
+              <a:buNone/>
+            </a:pPr>
+            <a:r>
+              <a:rPr lang="en-US" altLang="zh-CN">
+                <a:sym typeface="+mn-ea"/>
+              </a:rPr>
+              <a:t>         killmonsterType boos 0    10</a:t>
+            </a:r>
+            <a:endParaRPr lang="en-US" altLang="zh-CN"/>
+          </a:p>
+          <a:p>
+            <a:pPr lvl="1" indent="0">
+              <a:buNone/>
+            </a:pPr>
+            <a:endParaRPr lang="zh-CN" altLang="en-US"/>
+          </a:p>
+          <a:p>
+            <a:endParaRPr lang="zh-CN" altLang="en-US"/>
+          </a:p>
+          <a:p>
+            <a:r>
+              <a:rPr lang="zh-CN" altLang="en-US"/>
+              <a:t>成就</a:t>
+            </a:r>
+            <a:endParaRPr lang="zh-CN" altLang="en-US"/>
+          </a:p>
+          <a:p>
+            <a:pPr marL="800100" lvl="1" indent="-342900">
+              <a:buAutoNum type="arabicPeriod"/>
+            </a:pPr>
+            <a:r>
+              <a:rPr lang="zh-CN" altLang="en-US">
+                <a:sym typeface="+mn-ea"/>
+              </a:rPr>
+              <a:t>初始化</a:t>
+            </a:r>
+            <a:endParaRPr lang="zh-CN" altLang="en-US"/>
+          </a:p>
+          <a:p>
+            <a:pPr marL="800100" lvl="1" indent="-342900">
+              <a:buAutoNum type="arabicPeriod"/>
+            </a:pPr>
+            <a:r>
+              <a:rPr lang="zh-CN" altLang="en-US">
+                <a:sym typeface="+mn-ea"/>
+              </a:rPr>
+              <a:t>变更</a:t>
+            </a:r>
+            <a:endParaRPr lang="zh-CN" altLang="en-US"/>
+          </a:p>
+          <a:p>
+            <a:pPr marL="800100" lvl="1" indent="-342900">
+              <a:buAutoNum type="arabicPeriod"/>
+            </a:pPr>
+            <a:r>
+              <a:rPr lang="zh-CN" altLang="en-US">
+                <a:sym typeface="+mn-ea"/>
+              </a:rPr>
+              <a:t>完成</a:t>
+            </a:r>
+            <a:endParaRPr lang="zh-CN" altLang="en-US"/>
+          </a:p>
+          <a:p>
+            <a:pPr marL="800100" lvl="1" indent="-342900">
+              <a:buAutoNum type="arabicPeriod"/>
+            </a:pPr>
+            <a:r>
+              <a:rPr lang="zh-CN" altLang="en-US">
+                <a:sym typeface="+mn-ea"/>
+              </a:rPr>
+              <a:t>奖励</a:t>
+            </a:r>
+            <a:endParaRPr lang="zh-CN" altLang="en-US"/>
+          </a:p>
+          <a:p>
+            <a:endParaRPr lang="zh-CN" altLang="en-US"/>
+          </a:p>
+          <a:p>
+            <a:endParaRPr lang="zh-CN" altLang="en-US"/>
+          </a:p>
+        </p:txBody>
+      </p:sp>
+    </p:spTree>
+  </p:cSld>
+  <p:clrMapOvr>
+    <a:masterClrMapping/>
+  </p:clrMapOvr>
+</p:sld>
+</file>
+
+<file path=ppt/slides/slide12.xml><?xml version="1.0" encoding="utf-8"?>
+<p:sld xmlns:a="http://schemas.openxmlformats.org/drawingml/2006/main" xmlns:r="http://schemas.openxmlformats.org/officeDocument/2006/relationships" xmlns:p="http://schemas.openxmlformats.org/presentationml/2006/main">
+  <p:cSld>
+    <p:spTree>
+      <p:nvGrpSpPr>
+        <p:cNvPr id="1" name=""/>
+        <p:cNvGrpSpPr/>
+        <p:nvPr/>
+      </p:nvGrpSpPr>
+      <p:grpSpPr/>
+      <p:sp>
+        <p:nvSpPr>
+          <p:cNvPr id="2" name="标题 1"/>
+          <p:cNvSpPr>
+            <a:spLocks noGrp="1"/>
+          </p:cNvSpPr>
+          <p:nvPr>
+            <p:ph type="title"/>
+          </p:nvPr>
+        </p:nvSpPr>
+        <p:spPr>
+          <a:xfrm>
+            <a:off x="838200" y="365125"/>
+            <a:ext cx="10515600" cy="845185"/>
+          </a:xfrm>
+        </p:spPr>
+        <p:txBody>
+          <a:bodyPr/>
+          <a:p>
+            <a:r>
+              <a:rPr lang="zh-CN" altLang="en-US"/>
+              <a:t>無心道</a:t>
+            </a:r>
+            <a:r>
+              <a:rPr lang="en-US" altLang="zh-CN"/>
+              <a:t>-011-</a:t>
+            </a:r>
+            <a:r>
+              <a:rPr lang="zh-CN" altLang="en-US"/>
+              <a:t>背包</a:t>
+            </a:r>
+            <a:endParaRPr lang="zh-CN" altLang="en-US"/>
+          </a:p>
+        </p:txBody>
+      </p:sp>
+      <p:sp>
+        <p:nvSpPr>
+          <p:cNvPr id="4" name="文本框 3"/>
+          <p:cNvSpPr txBox="1"/>
+          <p:nvPr/>
+        </p:nvSpPr>
+        <p:spPr>
+          <a:xfrm>
+            <a:off x="648335" y="1632585"/>
+            <a:ext cx="10510520" cy="1753235"/>
+          </a:xfrm>
+          <a:prstGeom prst="rect">
+            <a:avLst/>
+          </a:prstGeom>
+          <a:noFill/>
+        </p:spPr>
+        <p:txBody>
+          <a:bodyPr wrap="square" rtlCol="0">
+            <a:spAutoFit/>
+          </a:bodyPr>
+          <a:p>
+            <a:r>
+              <a:rPr lang="zh-CN" altLang="en-US"/>
+              <a:t>道具</a:t>
+            </a:r>
+            <a:endParaRPr lang="zh-CN" altLang="en-US"/>
+          </a:p>
+          <a:p>
+            <a:pPr marL="800100" lvl="1" indent="-342900">
+              <a:buAutoNum type="arabicPeriod"/>
+            </a:pPr>
+            <a:r>
+              <a:rPr lang="zh-CN" altLang="en-US"/>
+              <a:t>创建</a:t>
+            </a:r>
+            <a:endParaRPr lang="zh-CN" altLang="en-US"/>
+          </a:p>
+          <a:p>
+            <a:pPr marL="800100" lvl="1" indent="-342900">
+              <a:buAutoNum type="arabicPeriod"/>
+            </a:pPr>
+            <a:r>
+              <a:rPr lang="zh-CN" altLang="en-US"/>
+              <a:t>添加</a:t>
+            </a:r>
+            <a:endParaRPr lang="zh-CN" altLang="en-US"/>
+          </a:p>
+          <a:p>
+            <a:pPr marL="800100" lvl="1" indent="-342900">
+              <a:buAutoNum type="arabicPeriod"/>
+            </a:pPr>
+            <a:r>
+              <a:rPr lang="zh-CN" altLang="en-US"/>
+              <a:t>使用</a:t>
+            </a:r>
+            <a:endParaRPr lang="zh-CN" altLang="en-US"/>
+          </a:p>
+          <a:p>
+            <a:pPr marL="800100" lvl="1" indent="-342900">
+              <a:buAutoNum type="arabicPeriod"/>
+            </a:pPr>
+            <a:r>
+              <a:rPr lang="zh-CN" altLang="en-US"/>
+              <a:t>扣除</a:t>
+            </a:r>
+            <a:endParaRPr lang="zh-CN" altLang="en-US"/>
+          </a:p>
+          <a:p>
+            <a:endParaRPr lang="zh-CN" altLang="en-US"/>
+          </a:p>
+        </p:txBody>
+      </p:sp>
+    </p:spTree>
+  </p:cSld>
+  <p:clrMapOvr>
+    <a:masterClrMapping/>
+  </p:clrMapOvr>
+</p:sld>
+</file>
+
 <file path=ppt/slides/slide2.xml><?xml version="1.0" encoding="utf-8"?>
 <p:sld xmlns:a="http://schemas.openxmlformats.org/drawingml/2006/main" xmlns:r="http://schemas.openxmlformats.org/officeDocument/2006/relationships" xmlns:p="http://schemas.openxmlformats.org/presentationml/2006/main">
   <p:cSld>
@@ -4336,7 +4761,7 @@
 
 <file path=ppt/tags/tag1.xml><?xml version="1.0" encoding="utf-8"?>
 <p:tagLst xmlns:p="http://schemas.openxmlformats.org/presentationml/2006/main">
-  <p:tag name="commondata" val="eyJoZGlkIjoiODAyMmZjOGE2NzM5YWJlOTAyYjY0MTQ3MDZhZGI5MmQifQ=="/>
+  <p:tag name="commondata" val="eyJoZGlkIjoiMzUwNmFiZmMyNWRiYTY0YjNiMGI2NGRlMDBkNDAwZWQifQ=="/>
 </p:tagLst>
 </file>
 

--- a/無心道快速开发演示文稿.pptx
+++ b/無心道快速开发演示文稿.pptx
@@ -17,11 +17,12 @@
     <p:sldId id="265" r:id="rId12"/>
     <p:sldId id="266" r:id="rId13"/>
     <p:sldId id="267" r:id="rId14"/>
+    <p:sldId id="268" r:id="rId15"/>
   </p:sldIdLst>
   <p:sldSz cx="12192000" cy="6858000"/>
   <p:notesSz cx="6858000" cy="9144000"/>
   <p:custDataLst>
-    <p:tags r:id="rId18"/>
+    <p:tags r:id="rId19"/>
   </p:custDataLst>
   <p:defaultTextStyle>
     <a:defPPr>
@@ -3587,6 +3588,123 @@
             </a:r>
             <a:r>
               <a:rPr lang="zh-CN" altLang="en-US"/>
+              <a:t>活动</a:t>
+            </a:r>
+            <a:endParaRPr lang="zh-CN" altLang="en-US"/>
+          </a:p>
+        </p:txBody>
+      </p:sp>
+      <p:sp>
+        <p:nvSpPr>
+          <p:cNvPr id="4" name="文本框 3"/>
+          <p:cNvSpPr txBox="1"/>
+          <p:nvPr/>
+        </p:nvSpPr>
+        <p:spPr>
+          <a:xfrm>
+            <a:off x="648335" y="1632585"/>
+            <a:ext cx="10510520" cy="1753235"/>
+          </a:xfrm>
+          <a:prstGeom prst="rect">
+            <a:avLst/>
+          </a:prstGeom>
+          <a:noFill/>
+        </p:spPr>
+        <p:txBody>
+          <a:bodyPr wrap="square" rtlCol="0">
+            <a:spAutoFit/>
+          </a:bodyPr>
+          <a:p>
+            <a:r>
+              <a:rPr lang="zh-CN" altLang="en-US"/>
+              <a:t>开启</a:t>
+            </a:r>
+            <a:endParaRPr lang="zh-CN" altLang="en-US"/>
+          </a:p>
+          <a:p>
+            <a:r>
+              <a:rPr lang="zh-CN" altLang="en-US"/>
+              <a:t>关闭</a:t>
+            </a:r>
+            <a:endParaRPr lang="zh-CN" altLang="en-US"/>
+          </a:p>
+          <a:p>
+            <a:endParaRPr lang="zh-CN" altLang="en-US"/>
+          </a:p>
+          <a:p>
+            <a:r>
+              <a:rPr lang="zh-CN" altLang="en-US"/>
+              <a:t>活动</a:t>
+            </a:r>
+            <a:r>
+              <a:rPr lang="zh-CN" altLang="en-US"/>
+              <a:t>心跳</a:t>
+            </a:r>
+            <a:endParaRPr lang="zh-CN" altLang="en-US"/>
+          </a:p>
+          <a:p>
+            <a:r>
+              <a:rPr lang="zh-CN" altLang="en-US"/>
+              <a:t>重启后</a:t>
+            </a:r>
+            <a:r>
+              <a:rPr lang="zh-CN" altLang="en-US"/>
+              <a:t>判定</a:t>
+            </a:r>
+            <a:endParaRPr lang="zh-CN" altLang="en-US"/>
+          </a:p>
+          <a:p>
+            <a:endParaRPr lang="zh-CN" altLang="en-US"/>
+          </a:p>
+        </p:txBody>
+      </p:sp>
+    </p:spTree>
+  </p:cSld>
+  <p:clrMapOvr>
+    <a:masterClrMapping/>
+  </p:clrMapOvr>
+</p:sld>
+</file>
+
+<file path=ppt/slides/slide13.xml><?xml version="1.0" encoding="utf-8"?>
+<p:sld xmlns:a="http://schemas.openxmlformats.org/drawingml/2006/main" xmlns:r="http://schemas.openxmlformats.org/officeDocument/2006/relationships" xmlns:p="http://schemas.openxmlformats.org/presentationml/2006/main">
+  <p:cSld>
+    <p:spTree>
+      <p:nvGrpSpPr>
+        <p:cNvPr id="1" name=""/>
+        <p:cNvGrpSpPr/>
+        <p:nvPr/>
+      </p:nvGrpSpPr>
+      <p:grpSpPr/>
+      <p:sp>
+        <p:nvSpPr>
+          <p:cNvPr id="2" name="标题 1"/>
+          <p:cNvSpPr>
+            <a:spLocks noGrp="1"/>
+          </p:cNvSpPr>
+          <p:nvPr>
+            <p:ph type="title"/>
+          </p:nvPr>
+        </p:nvSpPr>
+        <p:spPr>
+          <a:xfrm>
+            <a:off x="838200" y="365125"/>
+            <a:ext cx="10515600" cy="845185"/>
+          </a:xfrm>
+        </p:spPr>
+        <p:txBody>
+          <a:bodyPr/>
+          <a:p>
+            <a:r>
+              <a:rPr lang="zh-CN" altLang="en-US"/>
+              <a:t>無心道</a:t>
+            </a:r>
+            <a:r>
+              <a:rPr lang="en-US" altLang="zh-CN"/>
+              <a:t>-011-</a:t>
+            </a:r>
+            <a:r>
+              <a:rPr lang="zh-CN" altLang="en-US"/>
               <a:t>背包</a:t>
             </a:r>
             <a:endParaRPr lang="zh-CN" altLang="en-US"/>

--- a/無心道快速开发演示文稿.pptx
+++ b/無心道快速开发演示文稿.pptx
@@ -18,11 +18,12 @@
     <p:sldId id="266" r:id="rId13"/>
     <p:sldId id="267" r:id="rId14"/>
     <p:sldId id="268" r:id="rId15"/>
+    <p:sldId id="269" r:id="rId16"/>
   </p:sldIdLst>
   <p:sldSz cx="12192000" cy="6858000"/>
   <p:notesSz cx="6858000" cy="9144000"/>
   <p:custDataLst>
-    <p:tags r:id="rId19"/>
+    <p:tags r:id="rId20"/>
   </p:custDataLst>
   <p:defaultTextStyle>
     <a:defPPr>
@@ -3603,7 +3604,7 @@
         <p:spPr>
           <a:xfrm>
             <a:off x="648335" y="1632585"/>
-            <a:ext cx="10510520" cy="1753235"/>
+            <a:ext cx="10510520" cy="1476375"/>
           </a:xfrm>
           <a:prstGeom prst="rect">
             <a:avLst/>
@@ -3617,39 +3618,36 @@
           <a:p>
             <a:r>
               <a:rPr lang="zh-CN" altLang="en-US"/>
-              <a:t>开启</a:t>
-            </a:r>
-            <a:endParaRPr lang="zh-CN" altLang="en-US"/>
-          </a:p>
-          <a:p>
-            <a:r>
-              <a:rPr lang="zh-CN" altLang="en-US"/>
-              <a:t>关闭</a:t>
-            </a:r>
-            <a:endParaRPr lang="zh-CN" altLang="en-US"/>
-          </a:p>
-          <a:p>
-            <a:endParaRPr lang="zh-CN" altLang="en-US"/>
-          </a:p>
-          <a:p>
-            <a:r>
-              <a:rPr lang="zh-CN" altLang="en-US"/>
               <a:t>活动</a:t>
             </a:r>
             <a:r>
               <a:rPr lang="zh-CN" altLang="en-US"/>
-              <a:t>心跳</a:t>
-            </a:r>
-            <a:endParaRPr lang="zh-CN" altLang="en-US"/>
-          </a:p>
-          <a:p>
-            <a:r>
-              <a:rPr lang="zh-CN" altLang="en-US"/>
-              <a:t>重启后</a:t>
-            </a:r>
-            <a:r>
-              <a:rPr lang="zh-CN" altLang="en-US"/>
-              <a:t>判定</a:t>
+              <a:t>开启，</a:t>
+            </a:r>
+            <a:endParaRPr lang="zh-CN" altLang="en-US"/>
+          </a:p>
+          <a:p>
+            <a:r>
+              <a:rPr lang="zh-CN" altLang="en-US"/>
+              <a:t>活动</a:t>
+            </a:r>
+            <a:r>
+              <a:rPr lang="zh-CN" altLang="en-US"/>
+              <a:t>关闭，</a:t>
+            </a:r>
+            <a:endParaRPr lang="zh-CN" altLang="en-US"/>
+          </a:p>
+          <a:p>
+            <a:endParaRPr lang="zh-CN" altLang="en-US"/>
+          </a:p>
+          <a:p>
+            <a:r>
+              <a:rPr lang="zh-CN" altLang="en-US"/>
+              <a:t>活动的刷新，每日刷新，每三天刷新；每周</a:t>
+            </a:r>
+            <a:r>
+              <a:rPr lang="zh-CN" altLang="en-US"/>
+              <a:t>刷新；</a:t>
             </a:r>
             <a:endParaRPr lang="zh-CN" altLang="en-US"/>
           </a:p>
@@ -3667,6 +3665,335 @@
 </file>
 
 <file path=ppt/slides/slide13.xml><?xml version="1.0" encoding="utf-8"?>
+<p:sld xmlns:a="http://schemas.openxmlformats.org/drawingml/2006/main" xmlns:r="http://schemas.openxmlformats.org/officeDocument/2006/relationships" xmlns:p="http://schemas.openxmlformats.org/presentationml/2006/main">
+  <p:cSld>
+    <p:spTree>
+      <p:nvGrpSpPr>
+        <p:cNvPr id="1" name=""/>
+        <p:cNvGrpSpPr/>
+        <p:nvPr/>
+      </p:nvGrpSpPr>
+      <p:grpSpPr/>
+      <p:sp>
+        <p:nvSpPr>
+          <p:cNvPr id="2" name="标题 1"/>
+          <p:cNvSpPr>
+            <a:spLocks noGrp="1"/>
+          </p:cNvSpPr>
+          <p:nvPr>
+            <p:ph type="title"/>
+          </p:nvPr>
+        </p:nvSpPr>
+        <p:spPr>
+          <a:xfrm>
+            <a:off x="838200" y="365125"/>
+            <a:ext cx="10515600" cy="845185"/>
+          </a:xfrm>
+        </p:spPr>
+        <p:txBody>
+          <a:bodyPr/>
+          <a:p>
+            <a:r>
+              <a:rPr lang="zh-CN" altLang="en-US"/>
+              <a:t>無心道</a:t>
+            </a:r>
+            <a:r>
+              <a:rPr lang="en-US" altLang="zh-CN"/>
+              <a:t>-000-</a:t>
+            </a:r>
+            <a:r>
+              <a:rPr lang="zh-CN" altLang="en-US"/>
+              <a:t>架构</a:t>
+            </a:r>
+            <a:endParaRPr lang="zh-CN" altLang="en-US"/>
+          </a:p>
+        </p:txBody>
+      </p:sp>
+      <p:sp>
+        <p:nvSpPr>
+          <p:cNvPr id="4" name="文本框 3"/>
+          <p:cNvSpPr txBox="1"/>
+          <p:nvPr/>
+        </p:nvSpPr>
+        <p:spPr>
+          <a:xfrm>
+            <a:off x="648335" y="1632585"/>
+            <a:ext cx="10510520" cy="5077460"/>
+          </a:xfrm>
+          <a:prstGeom prst="rect">
+            <a:avLst/>
+          </a:prstGeom>
+          <a:noFill/>
+        </p:spPr>
+        <p:txBody>
+          <a:bodyPr wrap="square" rtlCol="0">
+            <a:spAutoFit/>
+          </a:bodyPr>
+          <a:p>
+            <a:r>
+              <a:rPr lang="zh-CN" altLang="en-US"/>
+              <a:t>游戏中</a:t>
+            </a:r>
+            <a:r>
+              <a:rPr lang="zh-CN" altLang="en-US"/>
+              <a:t>架构；</a:t>
+            </a:r>
+            <a:endParaRPr lang="zh-CN" altLang="en-US"/>
+          </a:p>
+          <a:p>
+            <a:r>
+              <a:rPr lang="zh-CN" altLang="en-US"/>
+              <a:t>包含了登录，创角，进入，游戏中一系列玩法，数据</a:t>
+            </a:r>
+            <a:r>
+              <a:rPr lang="zh-CN" altLang="en-US"/>
+              <a:t>落地；</a:t>
+            </a:r>
+            <a:endParaRPr lang="zh-CN" altLang="en-US"/>
+          </a:p>
+          <a:p>
+            <a:r>
+              <a:rPr lang="zh-CN" altLang="en-US"/>
+              <a:t>日活用户并不</a:t>
+            </a:r>
+            <a:r>
+              <a:rPr lang="zh-CN" altLang="en-US"/>
+              <a:t>高；比如日活用户</a:t>
+            </a:r>
+            <a:r>
+              <a:rPr lang="en-US" altLang="zh-CN"/>
+              <a:t>3-5</a:t>
+            </a:r>
+            <a:r>
+              <a:rPr lang="zh-CN" altLang="en-US"/>
+              <a:t>千；整个功能快设计成单进程</a:t>
+            </a:r>
+            <a:r>
+              <a:rPr lang="zh-CN" altLang="en-US"/>
+              <a:t>模式；</a:t>
+            </a:r>
+            <a:endParaRPr lang="zh-CN" altLang="en-US"/>
+          </a:p>
+          <a:p>
+            <a:endParaRPr lang="zh-CN" altLang="en-US"/>
+          </a:p>
+          <a:p>
+            <a:r>
+              <a:rPr lang="zh-CN" altLang="en-US"/>
+              <a:t>日活跃用户从</a:t>
+            </a:r>
+            <a:r>
+              <a:rPr lang="en-US" altLang="zh-CN"/>
+              <a:t>3000</a:t>
+            </a:r>
+            <a:r>
+              <a:rPr lang="zh-CN" altLang="en-US"/>
+              <a:t>涨到</a:t>
+            </a:r>
+            <a:r>
+              <a:rPr lang="en-US" altLang="zh-CN"/>
+              <a:t>30000</a:t>
+            </a:r>
+            <a:r>
+              <a:rPr lang="zh-CN" altLang="en-US"/>
+              <a:t>；</a:t>
+            </a:r>
+            <a:endParaRPr lang="zh-CN" altLang="en-US"/>
+          </a:p>
+          <a:p>
+            <a:r>
+              <a:rPr lang="zh-CN" altLang="en-US"/>
+              <a:t>单服承载或许就会增加</a:t>
+            </a:r>
+            <a:r>
+              <a:rPr lang="en-US" altLang="zh-CN"/>
+              <a:t>10</a:t>
+            </a:r>
+            <a:r>
+              <a:rPr lang="zh-CN" altLang="en-US"/>
+              <a:t>倍；</a:t>
+            </a:r>
+            <a:endParaRPr lang="zh-CN" altLang="en-US"/>
+          </a:p>
+          <a:p>
+            <a:endParaRPr lang="zh-CN" altLang="en-US"/>
+          </a:p>
+          <a:p>
+            <a:r>
+              <a:rPr lang="zh-CN" altLang="en-US"/>
+              <a:t>登录，</a:t>
+            </a:r>
+            <a:r>
+              <a:rPr lang="en-US" altLang="zh-CN"/>
+              <a:t>sdk</a:t>
+            </a:r>
+            <a:r>
+              <a:rPr lang="zh-CN" altLang="en-US"/>
+              <a:t>验证登录的</a:t>
+            </a:r>
+            <a:r>
+              <a:rPr lang="en-US" altLang="zh-CN"/>
+              <a:t>token</a:t>
+            </a:r>
+            <a:r>
+              <a:rPr lang="zh-CN" altLang="en-US"/>
+              <a:t>有效性。或者自有账号系统进行验证</a:t>
+            </a:r>
+            <a:r>
+              <a:rPr lang="en-US" altLang="zh-CN"/>
+              <a:t>token</a:t>
+            </a:r>
+            <a:r>
+              <a:rPr lang="zh-CN" altLang="en-US"/>
+              <a:t>的</a:t>
+            </a:r>
+            <a:r>
+              <a:rPr lang="zh-CN" altLang="en-US"/>
+              <a:t>有效性；</a:t>
+            </a:r>
+            <a:endParaRPr lang="zh-CN" altLang="en-US"/>
+          </a:p>
+          <a:p>
+            <a:r>
+              <a:rPr lang="zh-CN" altLang="en-US"/>
+              <a:t>读取数据库；整个登录的耗时可能也就</a:t>
+            </a:r>
+            <a:r>
+              <a:rPr lang="en-US" altLang="zh-CN"/>
+              <a:t>15ms</a:t>
+            </a:r>
+            <a:r>
+              <a:rPr lang="zh-CN" altLang="en-US"/>
+              <a:t>；单线程情况下</a:t>
+            </a:r>
+            <a:r>
+              <a:rPr lang="en-US" altLang="zh-CN"/>
+              <a:t>1</a:t>
+            </a:r>
+            <a:r>
+              <a:rPr lang="zh-CN" altLang="en-US"/>
+              <a:t>秒钟登录效率</a:t>
+            </a:r>
+            <a:r>
+              <a:rPr lang="en-US" altLang="zh-CN"/>
+              <a:t>1000/15</a:t>
+            </a:r>
+            <a:r>
+              <a:rPr lang="zh-CN" altLang="en-US"/>
+              <a:t>约等于</a:t>
+            </a:r>
+            <a:r>
+              <a:rPr lang="en-US" altLang="zh-CN"/>
+              <a:t>66</a:t>
+            </a:r>
+            <a:r>
+              <a:rPr lang="zh-CN" altLang="en-US"/>
+              <a:t>个；</a:t>
+            </a:r>
+            <a:endParaRPr lang="zh-CN" altLang="en-US"/>
+          </a:p>
+          <a:p>
+            <a:r>
+              <a:rPr lang="zh-CN" altLang="en-US"/>
+              <a:t>平台</a:t>
+            </a:r>
+            <a:r>
+              <a:rPr lang="en-US" altLang="zh-CN"/>
+              <a:t>sdk</a:t>
+            </a:r>
+            <a:r>
+              <a:rPr lang="zh-CN" altLang="en-US"/>
+              <a:t>验证，</a:t>
+            </a:r>
+            <a:r>
+              <a:rPr lang="en-US" altLang="zh-CN"/>
+              <a:t>http</a:t>
+            </a:r>
+            <a:r>
+              <a:rPr lang="zh-CN" altLang="en-US"/>
+              <a:t>请求，大概是</a:t>
+            </a:r>
+            <a:r>
+              <a:rPr lang="en-US" altLang="zh-CN"/>
+              <a:t>100ms</a:t>
+            </a:r>
+            <a:r>
+              <a:rPr lang="zh-CN" altLang="en-US"/>
+              <a:t>左右，单线程情况下</a:t>
+            </a:r>
+            <a:r>
+              <a:rPr lang="en-US" altLang="zh-CN"/>
+              <a:t>1</a:t>
+            </a:r>
+            <a:r>
+              <a:rPr lang="zh-CN" altLang="en-US"/>
+              <a:t>秒钟登录效率</a:t>
+            </a:r>
+            <a:r>
+              <a:rPr lang="en-US" altLang="zh-CN"/>
+              <a:t>1000/100</a:t>
+            </a:r>
+            <a:r>
+              <a:rPr lang="zh-CN" altLang="en-US"/>
+              <a:t>约等于</a:t>
+            </a:r>
+            <a:r>
+              <a:rPr lang="en-US" altLang="zh-CN"/>
+              <a:t>10</a:t>
+            </a:r>
+            <a:r>
+              <a:rPr lang="zh-CN" altLang="en-US"/>
+              <a:t>个；</a:t>
+            </a:r>
+            <a:endParaRPr lang="zh-CN" altLang="en-US"/>
+          </a:p>
+          <a:p>
+            <a:endParaRPr lang="zh-CN" altLang="en-US"/>
+          </a:p>
+          <a:p>
+            <a:r>
+              <a:rPr lang="zh-CN" altLang="en-US"/>
+              <a:t>登录服</a:t>
+            </a:r>
+            <a:r>
+              <a:rPr lang="en-US" altLang="zh-CN"/>
+              <a:t>-</a:t>
+            </a:r>
+            <a:r>
+              <a:rPr lang="zh-CN" altLang="en-US"/>
+              <a:t>游戏服；</a:t>
+            </a:r>
+            <a:endParaRPr lang="zh-CN" altLang="en-US"/>
+          </a:p>
+          <a:p>
+            <a:endParaRPr lang="zh-CN" altLang="en-US"/>
+          </a:p>
+          <a:p>
+            <a:endParaRPr lang="zh-CN" altLang="en-US"/>
+          </a:p>
+          <a:p>
+            <a:endParaRPr lang="zh-CN" altLang="en-US"/>
+          </a:p>
+          <a:p>
+            <a:endParaRPr lang="zh-CN" altLang="en-US"/>
+          </a:p>
+          <a:p>
+            <a:endParaRPr lang="zh-CN" altLang="en-US"/>
+          </a:p>
+          <a:p>
+            <a:endParaRPr lang="zh-CN" altLang="en-US"/>
+          </a:p>
+        </p:txBody>
+      </p:sp>
+    </p:spTree>
+  </p:cSld>
+  <p:clrMapOvr>
+    <a:masterClrMapping/>
+  </p:clrMapOvr>
+</p:sld>
+</file>
+
+<file path=ppt/slides/slide14.xml><?xml version="1.0" encoding="utf-8"?>
 <p:sld xmlns:a="http://schemas.openxmlformats.org/drawingml/2006/main" xmlns:r="http://schemas.openxmlformats.org/officeDocument/2006/relationships" xmlns:p="http://schemas.openxmlformats.org/presentationml/2006/main">
   <p:cSld>
     <p:spTree>

--- a/無心道快速开发演示文稿.pptx
+++ b/無心道快速开发演示文稿.pptx
@@ -19,11 +19,12 @@
     <p:sldId id="267" r:id="rId14"/>
     <p:sldId id="268" r:id="rId15"/>
     <p:sldId id="269" r:id="rId16"/>
+    <p:sldId id="270" r:id="rId17"/>
   </p:sldIdLst>
   <p:sldSz cx="12192000" cy="6858000"/>
   <p:notesSz cx="6858000" cy="9144000"/>
   <p:custDataLst>
-    <p:tags r:id="rId20"/>
+    <p:tags r:id="rId21"/>
   </p:custDataLst>
   <p:defaultTextStyle>
     <a:defPPr>
@@ -4028,6 +4029,117 @@
             </a:r>
             <a:r>
               <a:rPr lang="en-US" altLang="zh-CN"/>
+              <a:t>-012-</a:t>
+            </a:r>
+            <a:r>
+              <a:rPr lang="zh-CN" altLang="en-US"/>
+              <a:t>状态机</a:t>
+            </a:r>
+            <a:r>
+              <a:rPr lang="en-US" altLang="zh-CN"/>
+              <a:t>-</a:t>
+            </a:r>
+            <a:r>
+              <a:rPr lang="zh-CN" altLang="en-US"/>
+              <a:t>二进制标记</a:t>
+            </a:r>
+            <a:r>
+              <a:rPr lang="zh-CN" altLang="en-US"/>
+              <a:t>位</a:t>
+            </a:r>
+            <a:endParaRPr lang="zh-CN" altLang="en-US"/>
+          </a:p>
+        </p:txBody>
+      </p:sp>
+      <p:sp>
+        <p:nvSpPr>
+          <p:cNvPr id="4" name="文本框 3"/>
+          <p:cNvSpPr txBox="1"/>
+          <p:nvPr/>
+        </p:nvSpPr>
+        <p:spPr>
+          <a:xfrm>
+            <a:off x="648335" y="1632585"/>
+            <a:ext cx="10510520" cy="1198880"/>
+          </a:xfrm>
+          <a:prstGeom prst="rect">
+            <a:avLst/>
+          </a:prstGeom>
+          <a:noFill/>
+        </p:spPr>
+        <p:txBody>
+          <a:bodyPr wrap="square" rtlCol="0">
+            <a:spAutoFit/>
+          </a:bodyPr>
+          <a:p>
+            <a:r>
+              <a:rPr lang="zh-CN" altLang="en-US"/>
+              <a:t>标记</a:t>
+            </a:r>
+            <a:r>
+              <a:rPr lang="zh-CN" altLang="en-US"/>
+              <a:t>位</a:t>
+            </a:r>
+            <a:endParaRPr lang="zh-CN" altLang="en-US"/>
+          </a:p>
+          <a:p>
+            <a:r>
+              <a:rPr lang="zh-CN" altLang="en-US"/>
+              <a:t>二进制</a:t>
+            </a:r>
+            <a:endParaRPr lang="zh-CN" altLang="en-US"/>
+          </a:p>
+          <a:p>
+            <a:endParaRPr lang="zh-CN" altLang="en-US"/>
+          </a:p>
+          <a:p>
+            <a:endParaRPr lang="zh-CN" altLang="en-US"/>
+          </a:p>
+        </p:txBody>
+      </p:sp>
+    </p:spTree>
+  </p:cSld>
+  <p:clrMapOvr>
+    <a:masterClrMapping/>
+  </p:clrMapOvr>
+</p:sld>
+</file>
+
+<file path=ppt/slides/slide15.xml><?xml version="1.0" encoding="utf-8"?>
+<p:sld xmlns:a="http://schemas.openxmlformats.org/drawingml/2006/main" xmlns:r="http://schemas.openxmlformats.org/officeDocument/2006/relationships" xmlns:p="http://schemas.openxmlformats.org/presentationml/2006/main">
+  <p:cSld>
+    <p:spTree>
+      <p:nvGrpSpPr>
+        <p:cNvPr id="1" name=""/>
+        <p:cNvGrpSpPr/>
+        <p:nvPr/>
+      </p:nvGrpSpPr>
+      <p:grpSpPr/>
+      <p:sp>
+        <p:nvSpPr>
+          <p:cNvPr id="2" name="标题 1"/>
+          <p:cNvSpPr>
+            <a:spLocks noGrp="1"/>
+          </p:cNvSpPr>
+          <p:nvPr>
+            <p:ph type="title"/>
+          </p:nvPr>
+        </p:nvSpPr>
+        <p:spPr>
+          <a:xfrm>
+            <a:off x="838200" y="365125"/>
+            <a:ext cx="10515600" cy="845185"/>
+          </a:xfrm>
+        </p:spPr>
+        <p:txBody>
+          <a:bodyPr/>
+          <a:p>
+            <a:r>
+              <a:rPr lang="zh-CN" altLang="en-US"/>
+              <a:t>無心道</a:t>
+            </a:r>
+            <a:r>
+              <a:rPr lang="en-US" altLang="zh-CN"/>
               <a:t>-011-</a:t>
             </a:r>
             <a:r>

--- a/無心道快速开发演示文稿.pptx
+++ b/無心道快速开发演示文稿.pptx
@@ -19,12 +19,13 @@
     <p:sldId id="267" r:id="rId14"/>
     <p:sldId id="268" r:id="rId15"/>
     <p:sldId id="269" r:id="rId16"/>
-    <p:sldId id="270" r:id="rId17"/>
+    <p:sldId id="271" r:id="rId17"/>
+    <p:sldId id="270" r:id="rId18"/>
   </p:sldIdLst>
   <p:sldSz cx="12192000" cy="6858000"/>
   <p:notesSz cx="6858000" cy="9144000"/>
   <p:custDataLst>
-    <p:tags r:id="rId21"/>
+    <p:tags r:id="rId22"/>
   </p:custDataLst>
   <p:defaultTextStyle>
     <a:defPPr>
@@ -4060,7 +4061,7 @@
         <p:spPr>
           <a:xfrm>
             <a:off x="648335" y="1632585"/>
-            <a:ext cx="10510520" cy="1198880"/>
+            <a:ext cx="10510520" cy="2861310"/>
           </a:xfrm>
           <a:prstGeom prst="rect">
             <a:avLst/>
@@ -4090,6 +4091,100 @@
             <a:endParaRPr lang="zh-CN" altLang="en-US"/>
           </a:p>
           <a:p>
+            <a:r>
+              <a:rPr lang="en-US" altLang="zh-CN"/>
+              <a:t>1</a:t>
+            </a:r>
+            <a:r>
+              <a:rPr lang="zh-CN" altLang="en-US"/>
+              <a:t>，游戏内的</a:t>
+            </a:r>
+            <a:r>
+              <a:rPr lang="zh-CN" altLang="en-US"/>
+              <a:t>签到</a:t>
+            </a:r>
+            <a:endParaRPr lang="zh-CN" altLang="en-US"/>
+          </a:p>
+          <a:p>
+            <a:r>
+              <a:rPr lang="en-US" altLang="zh-CN"/>
+              <a:t>list&lt;int&gt; 1,2,5</a:t>
+            </a:r>
+            <a:endParaRPr lang="en-US" altLang="zh-CN"/>
+          </a:p>
+          <a:p>
+            <a:r>
+              <a:rPr lang="en-US" altLang="zh-CN"/>
+              <a:t>2, </a:t>
+            </a:r>
+            <a:r>
+              <a:rPr lang="zh-CN" altLang="en-US"/>
+              <a:t>游戏的内的各种状态</a:t>
+            </a:r>
+            <a:r>
+              <a:rPr lang="zh-CN" altLang="en-US"/>
+              <a:t>组</a:t>
+            </a:r>
+            <a:endParaRPr lang="zh-CN" altLang="en-US"/>
+          </a:p>
+          <a:p>
+            <a:r>
+              <a:rPr lang="en-US" altLang="zh-CN"/>
+              <a:t>  </a:t>
+            </a:r>
+            <a:r>
+              <a:rPr lang="zh-CN" altLang="en-US"/>
+              <a:t>是否</a:t>
+            </a:r>
+            <a:r>
+              <a:rPr lang="zh-CN" altLang="en-US"/>
+              <a:t>在线</a:t>
+            </a:r>
+            <a:endParaRPr lang="zh-CN" altLang="en-US"/>
+          </a:p>
+          <a:p>
+            <a:r>
+              <a:rPr lang="zh-CN" altLang="en-US"/>
+              <a:t> </a:t>
+            </a:r>
+            <a:r>
+              <a:rPr lang="en-US" altLang="zh-CN"/>
+              <a:t> </a:t>
+            </a:r>
+            <a:r>
+              <a:rPr lang="zh-CN" altLang="en-US"/>
+              <a:t>是否</a:t>
+            </a:r>
+            <a:r>
+              <a:rPr lang="zh-CN" altLang="en-US"/>
+              <a:t>可以移动</a:t>
+            </a:r>
+            <a:endParaRPr lang="zh-CN" altLang="en-US"/>
+          </a:p>
+          <a:p>
+            <a:r>
+              <a:rPr lang="zh-CN" altLang="en-US"/>
+              <a:t> </a:t>
+            </a:r>
+            <a:r>
+              <a:rPr lang="en-US" altLang="zh-CN"/>
+              <a:t> </a:t>
+            </a:r>
+            <a:r>
+              <a:rPr lang="zh-CN" altLang="en-US"/>
+              <a:t>是否可以</a:t>
+            </a:r>
+            <a:r>
+              <a:rPr lang="zh-CN" altLang="en-US"/>
+              <a:t>攻击，</a:t>
+            </a:r>
+            <a:endParaRPr lang="zh-CN" altLang="en-US"/>
+          </a:p>
+          <a:p>
+            <a:r>
+              <a:rPr lang="zh-CN" altLang="en-US"/>
+              <a:t>。。。。。</a:t>
+            </a:r>
             <a:endParaRPr lang="zh-CN" altLang="en-US"/>
           </a:p>
           <a:p>
@@ -4140,6 +4235,342 @@
             </a:r>
             <a:r>
               <a:rPr lang="en-US" altLang="zh-CN"/>
+              <a:t>-013-logbus-</a:t>
+            </a:r>
+            <a:r>
+              <a:rPr lang="zh-CN" altLang="en-US"/>
+              <a:t>日志</a:t>
+            </a:r>
+            <a:r>
+              <a:rPr lang="zh-CN" altLang="en-US"/>
+              <a:t>落库</a:t>
+            </a:r>
+            <a:endParaRPr lang="zh-CN" altLang="en-US"/>
+          </a:p>
+        </p:txBody>
+      </p:sp>
+      <p:sp>
+        <p:nvSpPr>
+          <p:cNvPr id="4" name="文本框 3"/>
+          <p:cNvSpPr txBox="1"/>
+          <p:nvPr/>
+        </p:nvSpPr>
+        <p:spPr>
+          <a:xfrm>
+            <a:off x="648335" y="1632585"/>
+            <a:ext cx="10510520" cy="5354320"/>
+          </a:xfrm>
+          <a:prstGeom prst="rect">
+            <a:avLst/>
+          </a:prstGeom>
+          <a:noFill/>
+        </p:spPr>
+        <p:txBody>
+          <a:bodyPr wrap="square" rtlCol="0">
+            <a:spAutoFit/>
+          </a:bodyPr>
+          <a:p>
+            <a:r>
+              <a:rPr lang="zh-CN" altLang="en-US"/>
+              <a:t>比如</a:t>
+            </a:r>
+            <a:endParaRPr lang="zh-CN" altLang="en-US"/>
+          </a:p>
+          <a:p>
+            <a:r>
+              <a:rPr lang="zh-CN" altLang="en-US"/>
+              <a:t>数数，</a:t>
+            </a:r>
+            <a:r>
+              <a:rPr lang="en-US" altLang="zh-CN"/>
+              <a:t>ELK</a:t>
+            </a:r>
+            <a:r>
+              <a:rPr lang="zh-CN" altLang="en-US"/>
+              <a:t>，</a:t>
+            </a:r>
+            <a:r>
+              <a:rPr lang="en-US" altLang="zh-CN"/>
+              <a:t>ES</a:t>
+            </a:r>
+            <a:r>
+              <a:rPr lang="zh-CN" altLang="en-US"/>
+              <a:t>，</a:t>
+            </a:r>
+            <a:r>
+              <a:rPr lang="en-US" altLang="zh-CN"/>
+              <a:t>clickhouse</a:t>
+            </a:r>
+            <a:r>
+              <a:rPr lang="zh-CN" altLang="en-US"/>
+              <a:t>；</a:t>
+            </a:r>
+            <a:endParaRPr lang="zh-CN" altLang="en-US"/>
+          </a:p>
+          <a:p>
+            <a:endParaRPr lang="zh-CN" altLang="en-US"/>
+          </a:p>
+          <a:p>
+            <a:r>
+              <a:rPr lang="zh-CN" altLang="en-US"/>
+              <a:t>数数它也是提供了一个</a:t>
+            </a:r>
+            <a:r>
+              <a:rPr lang="en-US" altLang="zh-CN"/>
+              <a:t>logbus</a:t>
+            </a:r>
+            <a:endParaRPr lang="zh-CN" altLang="en-US"/>
+          </a:p>
+          <a:p>
+            <a:endParaRPr lang="zh-CN" altLang="en-US"/>
+          </a:p>
+          <a:p>
+            <a:r>
+              <a:rPr lang="zh-CN" altLang="en-US"/>
+              <a:t>主要</a:t>
+            </a:r>
+            <a:r>
+              <a:rPr lang="en-US" altLang="zh-CN"/>
+              <a:t>mysql</a:t>
+            </a:r>
+            <a:r>
+              <a:rPr lang="zh-CN" altLang="en-US"/>
+              <a:t>、作为</a:t>
+            </a:r>
+            <a:r>
+              <a:rPr lang="zh-CN" altLang="en-US"/>
+              <a:t>日志数据库，</a:t>
+            </a:r>
+            <a:endParaRPr lang="zh-CN" altLang="en-US"/>
+          </a:p>
+          <a:p>
+            <a:r>
+              <a:rPr lang="zh-CN" altLang="en-US"/>
+              <a:t>大量日志</a:t>
+            </a:r>
+            <a:r>
+              <a:rPr lang="zh-CN" altLang="en-US"/>
+              <a:t>落地；</a:t>
+            </a:r>
+            <a:endParaRPr lang="zh-CN" altLang="en-US"/>
+          </a:p>
+          <a:p>
+            <a:r>
+              <a:rPr lang="en-US" altLang="zh-CN"/>
+              <a:t>x</a:t>
+            </a:r>
+            <a:r>
+              <a:rPr lang="zh-CN" altLang="en-US"/>
+              <a:t>游戏</a:t>
+            </a:r>
+            <a:r>
+              <a:rPr lang="en-US" altLang="zh-CN"/>
+              <a:t>-</a:t>
+            </a:r>
+            <a:r>
+              <a:rPr lang="zh-CN" altLang="en-US"/>
+              <a:t>现在线上</a:t>
+            </a:r>
+            <a:r>
+              <a:rPr lang="en-US" altLang="zh-CN"/>
+              <a:t>100</a:t>
+            </a:r>
+            <a:r>
+              <a:rPr lang="zh-CN" altLang="en-US"/>
+              <a:t>服；</a:t>
+            </a:r>
+            <a:endParaRPr lang="zh-CN" altLang="en-US"/>
+          </a:p>
+          <a:p>
+            <a:r>
+              <a:rPr lang="zh-CN" altLang="en-US"/>
+              <a:t>假设每秒钟</a:t>
+            </a:r>
+            <a:r>
+              <a:rPr lang="en-US" altLang="zh-CN"/>
+              <a:t>3000</a:t>
+            </a:r>
+            <a:r>
+              <a:rPr lang="zh-CN" altLang="en-US"/>
+              <a:t>条</a:t>
+            </a:r>
+            <a:r>
+              <a:rPr lang="zh-CN" altLang="en-US"/>
+              <a:t>日志；</a:t>
+            </a:r>
+            <a:endParaRPr lang="zh-CN" altLang="en-US"/>
+          </a:p>
+          <a:p>
+            <a:endParaRPr lang="zh-CN" altLang="en-US"/>
+          </a:p>
+          <a:p>
+            <a:r>
+              <a:rPr lang="en-US" altLang="zh-CN"/>
+              <a:t>mysql</a:t>
+            </a:r>
+            <a:r>
+              <a:rPr lang="zh-CN" altLang="en-US"/>
+              <a:t>写日志，</a:t>
+            </a:r>
+            <a:r>
+              <a:rPr lang="en-US" altLang="zh-CN"/>
+              <a:t>insert</a:t>
+            </a:r>
+            <a:r>
+              <a:rPr lang="zh-CN" altLang="en-US"/>
+              <a:t>操作，即便是你用批量的</a:t>
+            </a:r>
+            <a:r>
+              <a:rPr lang="en-US" altLang="zh-CN"/>
+              <a:t>batch</a:t>
+            </a:r>
+            <a:r>
+              <a:rPr lang="zh-CN" altLang="en-US"/>
+              <a:t>；依然会有</a:t>
+            </a:r>
+            <a:r>
+              <a:rPr lang="en-US" altLang="zh-CN"/>
+              <a:t>io</a:t>
+            </a:r>
+            <a:r>
+              <a:rPr lang="zh-CN" altLang="en-US"/>
+              <a:t>瓶颈；</a:t>
+            </a:r>
+            <a:endParaRPr lang="zh-CN" altLang="en-US"/>
+          </a:p>
+          <a:p>
+            <a:r>
+              <a:rPr lang="zh-CN" altLang="en-US"/>
+              <a:t>你当前程序写入</a:t>
+            </a:r>
+            <a:r>
+              <a:rPr lang="en-US" altLang="zh-CN"/>
+              <a:t>qps</a:t>
+            </a:r>
+            <a:r>
+              <a:rPr lang="zh-CN" altLang="en-US"/>
+              <a:t>。可能</a:t>
+            </a:r>
+            <a:r>
+              <a:rPr lang="en-US" altLang="zh-CN"/>
+              <a:t>800</a:t>
+            </a:r>
+            <a:r>
+              <a:rPr lang="zh-CN" altLang="en-US"/>
+              <a:t>条，或者</a:t>
+            </a:r>
+            <a:r>
+              <a:rPr lang="en-US" altLang="zh-CN"/>
+              <a:t>1500</a:t>
+            </a:r>
+            <a:r>
+              <a:rPr lang="zh-CN" altLang="en-US"/>
+              <a:t>条；</a:t>
+            </a:r>
+            <a:endParaRPr lang="zh-CN" altLang="en-US"/>
+          </a:p>
+          <a:p>
+            <a:r>
+              <a:rPr lang="zh-CN" altLang="en-US"/>
+              <a:t>消费者消费速度，赶不上你的生产者的生产</a:t>
+            </a:r>
+            <a:r>
+              <a:rPr lang="zh-CN" altLang="en-US"/>
+              <a:t>速度；</a:t>
+            </a:r>
+            <a:endParaRPr lang="zh-CN" altLang="en-US"/>
+          </a:p>
+          <a:p>
+            <a:r>
+              <a:rPr lang="zh-CN" altLang="en-US"/>
+              <a:t>内存积压了大量大数据；间接性导致进程</a:t>
+            </a:r>
+            <a:r>
+              <a:rPr lang="zh-CN" altLang="en-US"/>
+              <a:t>溃败；</a:t>
+            </a:r>
+            <a:endParaRPr lang="zh-CN" altLang="en-US"/>
+          </a:p>
+          <a:p>
+            <a:endParaRPr lang="zh-CN" altLang="en-US"/>
+          </a:p>
+          <a:p>
+            <a:r>
+              <a:rPr lang="zh-CN" altLang="en-US"/>
+              <a:t>正常在游戏中，产生日志的数据，是</a:t>
+            </a:r>
+            <a:r>
+              <a:rPr lang="zh-CN" altLang="en-US"/>
+              <a:t>有波峰和</a:t>
+            </a:r>
+            <a:r>
+              <a:rPr lang="zh-CN" altLang="en-US"/>
+              <a:t>波谷；</a:t>
+            </a:r>
+            <a:endParaRPr lang="zh-CN" altLang="en-US"/>
+          </a:p>
+          <a:p>
+            <a:endParaRPr lang="zh-CN" altLang="en-US"/>
+          </a:p>
+          <a:p>
+            <a:r>
+              <a:rPr lang="zh-CN" altLang="en-US"/>
+              <a:t>先把日志写到本地磁盘的物理文件中，做到日志的消峰；也做到了内存问题导致的进程</a:t>
+            </a:r>
+            <a:r>
+              <a:rPr lang="zh-CN" altLang="en-US"/>
+              <a:t>崩溃</a:t>
+            </a:r>
+            <a:endParaRPr lang="zh-CN" altLang="en-US"/>
+          </a:p>
+          <a:p>
+            <a:endParaRPr lang="zh-CN" altLang="en-US"/>
+          </a:p>
+        </p:txBody>
+      </p:sp>
+    </p:spTree>
+  </p:cSld>
+  <p:clrMapOvr>
+    <a:masterClrMapping/>
+  </p:clrMapOvr>
+</p:sld>
+</file>
+
+<file path=ppt/slides/slide16.xml><?xml version="1.0" encoding="utf-8"?>
+<p:sld xmlns:a="http://schemas.openxmlformats.org/drawingml/2006/main" xmlns:r="http://schemas.openxmlformats.org/officeDocument/2006/relationships" xmlns:p="http://schemas.openxmlformats.org/presentationml/2006/main">
+  <p:cSld>
+    <p:spTree>
+      <p:nvGrpSpPr>
+        <p:cNvPr id="1" name=""/>
+        <p:cNvGrpSpPr/>
+        <p:nvPr/>
+      </p:nvGrpSpPr>
+      <p:grpSpPr/>
+      <p:sp>
+        <p:nvSpPr>
+          <p:cNvPr id="2" name="标题 1"/>
+          <p:cNvSpPr>
+            <a:spLocks noGrp="1"/>
+          </p:cNvSpPr>
+          <p:nvPr>
+            <p:ph type="title"/>
+          </p:nvPr>
+        </p:nvSpPr>
+        <p:spPr>
+          <a:xfrm>
+            <a:off x="838200" y="365125"/>
+            <a:ext cx="10515600" cy="845185"/>
+          </a:xfrm>
+        </p:spPr>
+        <p:txBody>
+          <a:bodyPr/>
+          <a:p>
+            <a:r>
+              <a:rPr lang="zh-CN" altLang="en-US"/>
+              <a:t>無心道</a:t>
+            </a:r>
+            <a:r>
+              <a:rPr lang="en-US" altLang="zh-CN"/>
               <a:t>-011-</a:t>
             </a:r>
             <a:r>
@@ -5318,7 +5749,7 @@
 
 <file path=ppt/tags/tag1.xml><?xml version="1.0" encoding="utf-8"?>
 <p:tagLst xmlns:p="http://schemas.openxmlformats.org/presentationml/2006/main">
-  <p:tag name="commondata" val="eyJoZGlkIjoiMzUwNmFiZmMyNWRiYTY0YjNiMGI2NGRlMDBkNDAwZWQifQ=="/>
+  <p:tag name="commondata" val="eyJoZGlkIjoiM2M3ZWVjMzFhMWJmYTA5ODJjYzJlNzI0MThkOTA1YTUifQ=="/>
 </p:tagLst>
 </file>
 

--- a/無心道快速开发演示文稿.pptx
+++ b/無心道快速开发演示文稿.pptx
@@ -21,11 +21,16 @@
     <p:sldId id="269" r:id="rId16"/>
     <p:sldId id="271" r:id="rId17"/>
     <p:sldId id="270" r:id="rId18"/>
+    <p:sldId id="273" r:id="rId19"/>
+    <p:sldId id="274" r:id="rId20"/>
+    <p:sldId id="276" r:id="rId21"/>
+    <p:sldId id="277" r:id="rId22"/>
+    <p:sldId id="278" r:id="rId23"/>
   </p:sldIdLst>
   <p:sldSz cx="12192000" cy="6858000"/>
   <p:notesSz cx="6858000" cy="9144000"/>
   <p:custDataLst>
-    <p:tags r:id="rId22"/>
+    <p:tags r:id="rId27"/>
   </p:custDataLst>
   <p:defaultTextStyle>
     <a:defPPr>
@@ -4571,13 +4576,9 @@
             </a:r>
             <a:r>
               <a:rPr lang="en-US" altLang="zh-CN"/>
-              <a:t>-011-</a:t>
-            </a:r>
-            <a:r>
-              <a:rPr lang="zh-CN" altLang="en-US"/>
-              <a:t>背包</a:t>
-            </a:r>
-            <a:endParaRPr lang="zh-CN" altLang="en-US"/>
+              <a:t>-014-protobuf to java</a:t>
+            </a:r>
+            <a:endParaRPr lang="en-US" altLang="zh-CN"/>
           </a:p>
         </p:txBody>
       </p:sp>
@@ -4603,49 +4604,728 @@
           </a:bodyPr>
           <a:p>
             <a:r>
-              <a:rPr lang="zh-CN" altLang="en-US"/>
-              <a:t>道具</a:t>
-            </a:r>
+              <a:rPr lang="en-US" altLang="zh-CN"/>
+              <a:t>protobuf </a:t>
+            </a:r>
+            <a:r>
+              <a:rPr lang="zh-CN" altLang="en-US"/>
+              <a:t>消息协议</a:t>
+            </a:r>
+            <a:r>
+              <a:rPr lang="en-US" altLang="zh-CN"/>
+              <a:t> http </a:t>
+            </a:r>
+            <a:r>
+              <a:rPr lang="zh-CN" altLang="en-US"/>
+              <a:t>网站，</a:t>
+            </a:r>
+            <a:r>
+              <a:rPr lang="en-US" altLang="zh-CN"/>
+              <a:t>oa</a:t>
+            </a:r>
+            <a:r>
+              <a:rPr lang="zh-CN" altLang="en-US"/>
+              <a:t>系统</a:t>
+            </a:r>
+            <a:r>
+              <a:rPr lang="en-US" altLang="zh-CN"/>
+              <a:t> post from data</a:t>
+            </a:r>
+            <a:r>
+              <a:rPr lang="zh-CN" altLang="en-US"/>
+              <a:t>，</a:t>
+            </a:r>
+            <a:r>
+              <a:rPr lang="en-US" altLang="zh-CN"/>
+              <a:t> json</a:t>
+            </a:r>
+            <a:r>
+              <a:rPr lang="zh-CN" altLang="en-US"/>
+              <a:t>格式</a:t>
+            </a:r>
+            <a:endParaRPr lang="zh-CN" altLang="en-US"/>
+          </a:p>
+          <a:p>
+            <a:r>
+              <a:rPr lang="en-US" altLang="zh-CN"/>
+              <a:t>xml json</a:t>
+            </a:r>
+            <a:endParaRPr lang="en-US" altLang="zh-CN"/>
+          </a:p>
+          <a:p>
+            <a:r>
+              <a:rPr lang="en-US" altLang="zh-CN"/>
+              <a:t>protobuf build</a:t>
+            </a:r>
+            <a:endParaRPr lang="en-US" altLang="zh-CN"/>
+          </a:p>
+          <a:p>
+            <a:r>
+              <a:rPr lang="zh-CN" altLang="en-US"/>
+              <a:t>自定义</a:t>
+            </a:r>
+            <a:endParaRPr lang="en-US" altLang="zh-CN"/>
+          </a:p>
+          <a:p>
+            <a:r>
+              <a:rPr lang="en-US" altLang="zh-CN"/>
+              <a:t>protobuf to java object pojo</a:t>
+            </a:r>
+            <a:endParaRPr lang="zh-CN" altLang="en-US"/>
+          </a:p>
+          <a:p>
+            <a:endParaRPr lang="zh-CN" altLang="en-US"/>
+          </a:p>
+        </p:txBody>
+      </p:sp>
+    </p:spTree>
+  </p:cSld>
+  <p:clrMapOvr>
+    <a:masterClrMapping/>
+  </p:clrMapOvr>
+</p:sld>
+</file>
+
+<file path=ppt/slides/slide17.xml><?xml version="1.0" encoding="utf-8"?>
+<p:sld xmlns:a="http://schemas.openxmlformats.org/drawingml/2006/main" xmlns:r="http://schemas.openxmlformats.org/officeDocument/2006/relationships" xmlns:p="http://schemas.openxmlformats.org/presentationml/2006/main">
+  <p:cSld>
+    <p:spTree>
+      <p:nvGrpSpPr>
+        <p:cNvPr id="1" name=""/>
+        <p:cNvGrpSpPr/>
+        <p:nvPr/>
+      </p:nvGrpSpPr>
+      <p:grpSpPr/>
+      <p:sp>
+        <p:nvSpPr>
+          <p:cNvPr id="2" name="标题 1"/>
+          <p:cNvSpPr>
+            <a:spLocks noGrp="1"/>
+          </p:cNvSpPr>
+          <p:nvPr>
+            <p:ph type="title"/>
+          </p:nvPr>
+        </p:nvSpPr>
+        <p:spPr>
+          <a:xfrm>
+            <a:off x="838200" y="365125"/>
+            <a:ext cx="10515600" cy="845185"/>
+          </a:xfrm>
+        </p:spPr>
+        <p:txBody>
+          <a:bodyPr/>
+          <a:p>
+            <a:r>
+              <a:rPr lang="zh-CN" altLang="en-US"/>
+              <a:t>無心道</a:t>
+            </a:r>
+            <a:r>
+              <a:rPr lang="en-US" altLang="zh-CN"/>
+              <a:t>-015-</a:t>
+            </a:r>
+            <a:r>
+              <a:rPr lang="zh-CN" altLang="en-US"/>
+              <a:t>登录</a:t>
+            </a:r>
+            <a:r>
+              <a:rPr lang="zh-CN" altLang="en-US"/>
+              <a:t>模块</a:t>
+            </a:r>
+            <a:endParaRPr lang="zh-CN" altLang="en-US"/>
+          </a:p>
+        </p:txBody>
+      </p:sp>
+      <p:sp>
+        <p:nvSpPr>
+          <p:cNvPr id="4" name="文本框 3"/>
+          <p:cNvSpPr txBox="1"/>
+          <p:nvPr/>
+        </p:nvSpPr>
+        <p:spPr>
+          <a:xfrm>
+            <a:off x="648335" y="1632585"/>
+            <a:ext cx="10510520" cy="5354320"/>
+          </a:xfrm>
+          <a:prstGeom prst="rect">
+            <a:avLst/>
+          </a:prstGeom>
+          <a:noFill/>
+        </p:spPr>
+        <p:txBody>
+          <a:bodyPr wrap="square" rtlCol="0">
+            <a:spAutoFit/>
+          </a:bodyPr>
+          <a:p>
+            <a:r>
+              <a:rPr lang="zh-CN" altLang="en-US"/>
+              <a:t>账号</a:t>
+            </a:r>
+            <a:endParaRPr lang="zh-CN" altLang="en-US"/>
+          </a:p>
+          <a:p>
+            <a:r>
+              <a:rPr lang="zh-CN" altLang="en-US"/>
+              <a:t>验签，</a:t>
+            </a:r>
+            <a:endParaRPr lang="zh-CN" altLang="en-US"/>
+          </a:p>
+          <a:p>
+            <a:r>
+              <a:rPr lang="zh-CN" altLang="en-US"/>
+              <a:t>验</a:t>
+            </a:r>
+            <a:r>
+              <a:rPr lang="zh-CN" altLang="en-US"/>
+              <a:t>权，</a:t>
+            </a:r>
+            <a:endParaRPr lang="zh-CN" altLang="en-US"/>
+          </a:p>
+          <a:p>
+            <a:r>
+              <a:rPr lang="zh-CN" altLang="en-US"/>
+              <a:t>第三方登录系统</a:t>
+            </a:r>
+            <a:r>
+              <a:rPr lang="zh-CN" altLang="en-US"/>
+              <a:t>对接</a:t>
+            </a:r>
+            <a:endParaRPr lang="zh-CN" altLang="en-US"/>
+          </a:p>
+          <a:p>
+            <a:endParaRPr lang="zh-CN" altLang="en-US"/>
+          </a:p>
+          <a:p>
+            <a:r>
+              <a:rPr lang="zh-CN" altLang="en-US"/>
+              <a:t>独立进程，可能还需要做集群</a:t>
+            </a:r>
+            <a:r>
+              <a:rPr lang="zh-CN" altLang="en-US"/>
+              <a:t>处理；</a:t>
+            </a:r>
+            <a:endParaRPr lang="zh-CN" altLang="en-US"/>
+          </a:p>
+          <a:p>
+            <a:r>
+              <a:rPr lang="en-US" altLang="zh-CN"/>
+              <a:t>qps</a:t>
+            </a:r>
+            <a:r>
+              <a:rPr lang="zh-CN" altLang="en-US"/>
+              <a:t>，</a:t>
+            </a:r>
+            <a:r>
+              <a:rPr lang="en-US" altLang="zh-CN"/>
+              <a:t>http</a:t>
+            </a:r>
+            <a:r>
+              <a:rPr lang="zh-CN" altLang="en-US"/>
+              <a:t>服务，第三方渠道，比如微信，</a:t>
+            </a:r>
+            <a:r>
+              <a:rPr lang="en-US" altLang="zh-CN"/>
+              <a:t>qq</a:t>
+            </a:r>
+            <a:r>
+              <a:rPr lang="zh-CN" altLang="en-US"/>
+              <a:t>空间，</a:t>
+            </a:r>
+            <a:r>
+              <a:rPr lang="en-US" altLang="zh-CN"/>
+              <a:t>37wan</a:t>
+            </a:r>
+            <a:r>
+              <a:rPr lang="zh-CN" altLang="en-US"/>
+              <a:t>，</a:t>
+            </a:r>
+            <a:r>
+              <a:rPr lang="en-US" altLang="zh-CN"/>
+              <a:t>4399</a:t>
+            </a:r>
+            <a:r>
+              <a:rPr lang="zh-CN" altLang="en-US"/>
+              <a:t>，</a:t>
+            </a:r>
+            <a:endParaRPr lang="zh-CN" altLang="en-US"/>
+          </a:p>
+          <a:p>
+            <a:r>
+              <a:rPr lang="en-US" altLang="zh-CN"/>
+              <a:t>sdk</a:t>
+            </a:r>
+            <a:r>
+              <a:rPr lang="zh-CN" altLang="en-US"/>
+              <a:t>登录对接，同情况下他们提供又是一个</a:t>
+            </a:r>
+            <a:r>
+              <a:rPr lang="en-US" altLang="zh-CN"/>
+              <a:t>http</a:t>
+            </a:r>
+            <a:r>
+              <a:rPr lang="zh-CN" altLang="en-US"/>
+              <a:t>一个</a:t>
+            </a:r>
+            <a:r>
+              <a:rPr lang="en-US" altLang="zh-CN"/>
+              <a:t>token</a:t>
+            </a:r>
+            <a:r>
+              <a:rPr lang="zh-CN" altLang="en-US"/>
+              <a:t>验证方案；有部分渠道他们</a:t>
+            </a:r>
+            <a:r>
+              <a:rPr lang="en-US" altLang="zh-CN"/>
+              <a:t>token</a:t>
+            </a:r>
+            <a:r>
+              <a:rPr lang="zh-CN" altLang="en-US"/>
+              <a:t>验证，是通过一个规则的</a:t>
+            </a:r>
+            <a:r>
+              <a:rPr lang="en-US" altLang="zh-CN"/>
+              <a:t>md5</a:t>
+            </a:r>
+            <a:r>
+              <a:rPr lang="zh-CN" altLang="en-US"/>
+              <a:t>算法这样就不需要去第三方平台服务器进行</a:t>
+            </a:r>
+            <a:r>
+              <a:rPr lang="en-US" altLang="zh-CN"/>
+              <a:t>http</a:t>
+            </a:r>
+            <a:r>
+              <a:rPr lang="zh-CN" altLang="en-US"/>
+              <a:t>请求方式验证</a:t>
+            </a:r>
+            <a:r>
+              <a:rPr lang="en-US" altLang="zh-CN"/>
+              <a:t>token</a:t>
+            </a:r>
+            <a:r>
+              <a:rPr lang="zh-CN" altLang="en-US"/>
+              <a:t>；</a:t>
+            </a:r>
+            <a:endParaRPr lang="zh-CN" altLang="en-US"/>
+          </a:p>
+          <a:p>
+            <a:r>
+              <a:rPr lang="zh-CN" altLang="en-US"/>
+              <a:t>易接（</a:t>
+            </a:r>
+            <a:r>
+              <a:rPr lang="en-US" altLang="zh-CN"/>
+              <a:t>quick</a:t>
+            </a:r>
+            <a:r>
+              <a:rPr lang="zh-CN" altLang="en-US"/>
+              <a:t>）；</a:t>
+            </a:r>
+            <a:endParaRPr lang="zh-CN" altLang="en-US"/>
+          </a:p>
+          <a:p>
+            <a:endParaRPr lang="zh-CN" altLang="en-US"/>
+          </a:p>
+          <a:p>
+            <a:r>
+              <a:rPr lang="zh-CN" altLang="en-US"/>
+              <a:t>代码的通用性，</a:t>
+            </a:r>
+            <a:r>
+              <a:rPr lang="zh-CN" altLang="en-US"/>
+              <a:t>维护性；</a:t>
+            </a:r>
+            <a:endParaRPr lang="zh-CN" altLang="en-US"/>
+          </a:p>
+          <a:p>
+            <a:r>
+              <a:rPr lang="en-US" altLang="zh-CN"/>
+              <a:t>http</a:t>
+            </a:r>
+            <a:r>
+              <a:rPr lang="zh-CN" altLang="en-US"/>
+              <a:t>，延迟；即便是请求网络好，相应很快，理想状态</a:t>
+            </a:r>
+            <a:r>
+              <a:rPr lang="en-US" altLang="zh-CN"/>
+              <a:t>20ms</a:t>
+            </a:r>
+            <a:r>
+              <a:rPr lang="zh-CN" altLang="en-US"/>
+              <a:t>；</a:t>
+            </a:r>
+            <a:endParaRPr lang="zh-CN" altLang="en-US"/>
+          </a:p>
+          <a:p>
+            <a:r>
+              <a:rPr lang="en-US" altLang="zh-CN"/>
+              <a:t>1</a:t>
+            </a:r>
+            <a:r>
+              <a:rPr lang="zh-CN" altLang="en-US"/>
+              <a:t>秒钟一个线程能处理的能力，</a:t>
+            </a:r>
+            <a:r>
+              <a:rPr lang="en-US" altLang="zh-CN"/>
+              <a:t>45</a:t>
+            </a:r>
+            <a:r>
+              <a:rPr lang="zh-CN" altLang="en-US"/>
+              <a:t>，</a:t>
+            </a:r>
+            <a:endParaRPr lang="zh-CN" altLang="en-US"/>
+          </a:p>
+          <a:p>
+            <a:r>
+              <a:rPr lang="en-US" altLang="zh-CN"/>
+              <a:t>qps</a:t>
+            </a:r>
+            <a:r>
+              <a:rPr lang="zh-CN" altLang="en-US"/>
+              <a:t>需要很高的时候，就不得不做出集群</a:t>
+            </a:r>
+            <a:r>
+              <a:rPr lang="zh-CN" altLang="en-US"/>
+              <a:t>方案</a:t>
+            </a:r>
+            <a:endParaRPr lang="zh-CN" altLang="en-US"/>
+          </a:p>
+          <a:p>
+            <a:r>
+              <a:rPr lang="zh-CN" altLang="en-US"/>
+              <a:t>登录要走发行公司，发行公司再走平台对接，最坏的请求，</a:t>
+            </a:r>
+            <a:r>
+              <a:rPr lang="en-US" altLang="zh-CN"/>
+              <a:t>450ms</a:t>
+            </a:r>
+            <a:r>
+              <a:rPr lang="zh-CN" altLang="en-US"/>
+              <a:t>一次，一秒钟就</a:t>
+            </a:r>
+            <a:r>
+              <a:rPr lang="en-US" altLang="zh-CN"/>
+              <a:t>2</a:t>
+            </a:r>
+            <a:r>
+              <a:rPr lang="zh-CN" altLang="en-US"/>
+              <a:t>次；平均值</a:t>
+            </a:r>
+            <a:r>
+              <a:rPr lang="en-US" altLang="zh-CN"/>
+              <a:t>160ms</a:t>
+            </a:r>
+            <a:endParaRPr lang="zh-CN" altLang="en-US"/>
+          </a:p>
+          <a:p>
             <a:endParaRPr lang="zh-CN" altLang="en-US"/>
           </a:p>
           <a:p>
             <a:pPr marL="800100" lvl="1" indent="-342900">
               <a:buAutoNum type="arabicPeriod"/>
             </a:pPr>
-            <a:r>
-              <a:rPr lang="zh-CN" altLang="en-US"/>
-              <a:t>创建</a:t>
-            </a:r>
-            <a:endParaRPr lang="zh-CN" altLang="en-US"/>
-          </a:p>
-          <a:p>
-            <a:pPr marL="800100" lvl="1" indent="-342900">
+            <a:endParaRPr lang="zh-CN" altLang="en-US"/>
+          </a:p>
+          <a:p>
+            <a:endParaRPr lang="zh-CN" altLang="en-US"/>
+          </a:p>
+        </p:txBody>
+      </p:sp>
+    </p:spTree>
+  </p:cSld>
+  <p:clrMapOvr>
+    <a:masterClrMapping/>
+  </p:clrMapOvr>
+</p:sld>
+</file>
+
+<file path=ppt/slides/slide18.xml><?xml version="1.0" encoding="utf-8"?>
+<p:sld xmlns:a="http://schemas.openxmlformats.org/drawingml/2006/main" xmlns:r="http://schemas.openxmlformats.org/officeDocument/2006/relationships" xmlns:p="http://schemas.openxmlformats.org/presentationml/2006/main">
+  <p:cSld>
+    <p:spTree>
+      <p:nvGrpSpPr>
+        <p:cNvPr id="1" name=""/>
+        <p:cNvGrpSpPr/>
+        <p:nvPr/>
+      </p:nvGrpSpPr>
+      <p:grpSpPr/>
+      <p:sp>
+        <p:nvSpPr>
+          <p:cNvPr id="2" name="标题 1"/>
+          <p:cNvSpPr>
+            <a:spLocks noGrp="1"/>
+          </p:cNvSpPr>
+          <p:nvPr>
+            <p:ph type="title"/>
+          </p:nvPr>
+        </p:nvSpPr>
+        <p:spPr>
+          <a:xfrm>
+            <a:off x="838200" y="365125"/>
+            <a:ext cx="10515600" cy="845185"/>
+          </a:xfrm>
+        </p:spPr>
+        <p:txBody>
+          <a:bodyPr/>
+          <a:p>
+            <a:r>
+              <a:rPr lang="zh-CN" altLang="en-US"/>
+              <a:t>無心道</a:t>
+            </a:r>
+            <a:r>
+              <a:rPr lang="en-US" altLang="zh-CN"/>
+              <a:t>-016-</a:t>
+            </a:r>
+            <a:r>
+              <a:rPr lang="zh-CN" altLang="en-US"/>
+              <a:t>项目架构反射和</a:t>
+            </a:r>
+            <a:r>
+              <a:rPr lang="zh-CN" altLang="en-US"/>
+              <a:t>反射代理</a:t>
+            </a:r>
+            <a:endParaRPr lang="zh-CN" altLang="en-US"/>
+          </a:p>
+        </p:txBody>
+      </p:sp>
+      <p:sp>
+        <p:nvSpPr>
+          <p:cNvPr id="4" name="文本框 3"/>
+          <p:cNvSpPr txBox="1"/>
+          <p:nvPr/>
+        </p:nvSpPr>
+        <p:spPr>
+          <a:xfrm>
+            <a:off x="648335" y="1632585"/>
+            <a:ext cx="10510520" cy="1999615"/>
+          </a:xfrm>
+          <a:prstGeom prst="rect">
+            <a:avLst/>
+          </a:prstGeom>
+          <a:noFill/>
+        </p:spPr>
+        <p:txBody>
+          <a:bodyPr wrap="square" rtlCol="0">
+            <a:spAutoFit/>
+          </a:bodyPr>
+          <a:p>
+            <a:r>
+              <a:rPr lang="zh-CN" altLang="en-US"/>
+              <a:t>反射，</a:t>
+            </a:r>
+            <a:endParaRPr lang="zh-CN" altLang="en-US"/>
+          </a:p>
+          <a:p>
+            <a:pPr marL="342900" indent="-342900">
               <a:buAutoNum type="arabicPeriod"/>
             </a:pPr>
             <a:r>
-              <a:rPr lang="zh-CN" altLang="en-US"/>
-              <a:t>添加</a:t>
-            </a:r>
-            <a:endParaRPr lang="zh-CN" altLang="en-US"/>
-          </a:p>
-          <a:p>
-            <a:pPr marL="800100" lvl="1" indent="-342900">
+              <a:rPr lang="zh-CN" altLang="en-US" sz="1400">
+                <a:sym typeface="+mn-ea"/>
+              </a:rPr>
+              <a:t>为什么使用反射</a:t>
+            </a:r>
+            <a:endParaRPr lang="zh-CN" altLang="en-US" sz="1400">
+              <a:sym typeface="+mn-ea"/>
+            </a:endParaRPr>
+          </a:p>
+          <a:p>
+            <a:pPr marL="342900" indent="-342900">
               <a:buAutoNum type="arabicPeriod"/>
             </a:pPr>
             <a:r>
-              <a:rPr lang="zh-CN" altLang="en-US"/>
-              <a:t>使用</a:t>
-            </a:r>
-            <a:endParaRPr lang="zh-CN" altLang="en-US"/>
-          </a:p>
-          <a:p>
-            <a:pPr marL="800100" lvl="1" indent="-342900">
+              <a:rPr lang="zh-CN" altLang="en-US" sz="1400">
+                <a:sym typeface="+mn-ea"/>
+              </a:rPr>
+              <a:t>反射的性能如何</a:t>
+            </a:r>
+            <a:endParaRPr lang="zh-CN" altLang="en-US" sz="1400">
+              <a:sym typeface="+mn-ea"/>
+            </a:endParaRPr>
+          </a:p>
+          <a:p>
+            <a:endParaRPr lang="zh-CN" altLang="en-US"/>
+          </a:p>
+          <a:p>
+            <a:r>
+              <a:rPr lang="zh-CN" altLang="en-US"/>
+              <a:t>反射代理</a:t>
+            </a:r>
+            <a:endParaRPr lang="zh-CN" altLang="en-US"/>
+          </a:p>
+          <a:p>
+            <a:pPr marL="342900" indent="-342900">
               <a:buAutoNum type="arabicPeriod"/>
             </a:pPr>
             <a:r>
-              <a:rPr lang="zh-CN" altLang="en-US"/>
-              <a:t>扣除</a:t>
-            </a:r>
+              <a:rPr lang="zh-CN" altLang="en-US" sz="1400"/>
+              <a:t>什么是反射代理</a:t>
+            </a:r>
+            <a:endParaRPr lang="zh-CN" altLang="en-US" sz="1400"/>
+          </a:p>
+          <a:p>
+            <a:pPr marL="342900" indent="-342900">
+              <a:buAutoNum type="arabicPeriod"/>
+            </a:pPr>
+            <a:r>
+              <a:rPr lang="zh-CN" altLang="en-US" sz="1400">
+                <a:sym typeface="+mn-ea"/>
+              </a:rPr>
+              <a:t>反射</a:t>
+            </a:r>
+            <a:r>
+              <a:rPr lang="zh-CN" altLang="en-US" sz="1400"/>
+              <a:t>代理的性能如何</a:t>
+            </a:r>
+            <a:endParaRPr lang="zh-CN" altLang="en-US" sz="1400"/>
+          </a:p>
+          <a:p>
+            <a:endParaRPr lang="zh-CN" altLang="en-US" sz="1400"/>
+          </a:p>
+        </p:txBody>
+      </p:sp>
+    </p:spTree>
+  </p:cSld>
+  <p:clrMapOvr>
+    <a:masterClrMapping/>
+  </p:clrMapOvr>
+</p:sld>
+</file>
+
+<file path=ppt/slides/slide19.xml><?xml version="1.0" encoding="utf-8"?>
+<p:sld xmlns:a="http://schemas.openxmlformats.org/drawingml/2006/main" xmlns:r="http://schemas.openxmlformats.org/officeDocument/2006/relationships" xmlns:p="http://schemas.openxmlformats.org/presentationml/2006/main">
+  <p:cSld>
+    <p:spTree>
+      <p:nvGrpSpPr>
+        <p:cNvPr id="1" name=""/>
+        <p:cNvGrpSpPr/>
+        <p:nvPr/>
+      </p:nvGrpSpPr>
+      <p:grpSpPr/>
+      <p:sp>
+        <p:nvSpPr>
+          <p:cNvPr id="2" name="标题 1"/>
+          <p:cNvSpPr>
+            <a:spLocks noGrp="1"/>
+          </p:cNvSpPr>
+          <p:nvPr>
+            <p:ph type="title"/>
+          </p:nvPr>
+        </p:nvSpPr>
+        <p:spPr>
+          <a:xfrm>
+            <a:off x="838200" y="365125"/>
+            <a:ext cx="10515600" cy="845185"/>
+          </a:xfrm>
+        </p:spPr>
+        <p:txBody>
+          <a:bodyPr/>
+          <a:p>
+            <a:r>
+              <a:rPr lang="zh-CN" altLang="en-US"/>
+              <a:t>無心道</a:t>
+            </a:r>
+            <a:r>
+              <a:rPr lang="en-US" altLang="zh-CN"/>
+              <a:t>-017-</a:t>
+            </a:r>
+            <a:r>
+              <a:rPr lang="zh-CN" altLang="en-US"/>
+              <a:t>推荐</a:t>
+            </a:r>
+            <a:r>
+              <a:rPr lang="zh-CN" altLang="en-US"/>
+              <a:t>算法</a:t>
+            </a:r>
+            <a:endParaRPr lang="zh-CN" altLang="en-US"/>
+          </a:p>
+        </p:txBody>
+      </p:sp>
+      <p:sp>
+        <p:nvSpPr>
+          <p:cNvPr id="3" name="文本框 2"/>
+          <p:cNvSpPr txBox="1"/>
+          <p:nvPr/>
+        </p:nvSpPr>
+        <p:spPr>
+          <a:xfrm>
+            <a:off x="1177290" y="1619250"/>
+            <a:ext cx="9047480" cy="3006725"/>
+          </a:xfrm>
+          <a:prstGeom prst="rect">
+            <a:avLst/>
+          </a:prstGeom>
+          <a:noFill/>
+        </p:spPr>
+        <p:txBody>
+          <a:bodyPr wrap="square" rtlCol="0">
+            <a:noAutofit/>
+          </a:bodyPr>
+          <a:p>
+            <a:r>
+              <a:rPr lang="zh-CN" altLang="en-US"/>
+              <a:t>推荐算法</a:t>
+            </a:r>
+            <a:r>
+              <a:rPr lang="en-US" altLang="zh-CN"/>
+              <a:t>-</a:t>
+            </a:r>
+            <a:r>
+              <a:rPr lang="zh-CN" altLang="en-US"/>
+              <a:t>个人分析不代表主流平台</a:t>
+            </a:r>
+            <a:r>
+              <a:rPr lang="zh-CN" altLang="en-US"/>
+              <a:t>做法</a:t>
+            </a:r>
+            <a:endParaRPr lang="zh-CN" altLang="en-US"/>
+          </a:p>
+          <a:p>
+            <a:endParaRPr lang="zh-CN" altLang="en-US"/>
+          </a:p>
+          <a:p>
+            <a:r>
+              <a:rPr lang="zh-CN" altLang="en-US"/>
+              <a:t>发布内容的时候它是会有一个选项，叫做</a:t>
+            </a:r>
+            <a:r>
+              <a:rPr lang="zh-CN" altLang="en-US"/>
+              <a:t>标签</a:t>
+            </a:r>
+            <a:endParaRPr lang="zh-CN" altLang="en-US"/>
+          </a:p>
+          <a:p>
+            <a:r>
+              <a:rPr lang="zh-CN" altLang="en-US"/>
+              <a:t>给你的发布的内容自己打上你觉得合理的</a:t>
+            </a:r>
+            <a:r>
+              <a:rPr lang="zh-CN" altLang="en-US"/>
+              <a:t>关键词</a:t>
+            </a:r>
+            <a:endParaRPr lang="zh-CN" altLang="en-US"/>
+          </a:p>
+          <a:p>
+            <a:r>
+              <a:rPr lang="zh-CN" altLang="en-US"/>
+              <a:t>搞笑，</a:t>
+            </a:r>
+            <a:r>
+              <a:rPr lang="zh-CN" altLang="en-US"/>
+              <a:t>旅游，算法，推荐算法，</a:t>
+            </a:r>
+            <a:r>
+              <a:rPr lang="zh-CN" altLang="en-US"/>
+              <a:t>编程</a:t>
+            </a:r>
+            <a:endParaRPr lang="zh-CN" altLang="en-US"/>
+          </a:p>
+          <a:p>
+            <a:endParaRPr lang="zh-CN" altLang="en-US"/>
+          </a:p>
+          <a:p>
+            <a:endParaRPr lang="zh-CN" altLang="en-US"/>
+          </a:p>
+          <a:p>
             <a:endParaRPr lang="zh-CN" altLang="en-US"/>
           </a:p>
           <a:p>
@@ -4800,6 +5480,381 @@
 </p:sld>
 </file>
 
+<file path=ppt/slides/slide20.xml><?xml version="1.0" encoding="utf-8"?>
+<p:sld xmlns:a="http://schemas.openxmlformats.org/drawingml/2006/main" xmlns:r="http://schemas.openxmlformats.org/officeDocument/2006/relationships" xmlns:p="http://schemas.openxmlformats.org/presentationml/2006/main">
+  <p:cSld>
+    <p:spTree>
+      <p:nvGrpSpPr>
+        <p:cNvPr id="1" name=""/>
+        <p:cNvGrpSpPr/>
+        <p:nvPr/>
+      </p:nvGrpSpPr>
+      <p:grpSpPr/>
+      <p:sp>
+        <p:nvSpPr>
+          <p:cNvPr id="2" name="标题 1"/>
+          <p:cNvSpPr>
+            <a:spLocks noGrp="1"/>
+          </p:cNvSpPr>
+          <p:nvPr>
+            <p:ph type="title"/>
+          </p:nvPr>
+        </p:nvSpPr>
+        <p:spPr>
+          <a:xfrm>
+            <a:off x="838200" y="365125"/>
+            <a:ext cx="10515600" cy="845185"/>
+          </a:xfrm>
+        </p:spPr>
+        <p:txBody>
+          <a:bodyPr/>
+          <a:p>
+            <a:r>
+              <a:rPr lang="zh-CN" altLang="en-US"/>
+              <a:t>無心道</a:t>
+            </a:r>
+            <a:r>
+              <a:rPr lang="en-US" altLang="zh-CN"/>
+              <a:t>-018-</a:t>
+            </a:r>
+            <a:r>
+              <a:rPr lang="zh-CN" altLang="en-US"/>
+              <a:t>单例锁</a:t>
+            </a:r>
+            <a:endParaRPr lang="zh-CN" altLang="en-US"/>
+          </a:p>
+        </p:txBody>
+      </p:sp>
+      <p:sp>
+        <p:nvSpPr>
+          <p:cNvPr id="3" name="文本框 2"/>
+          <p:cNvSpPr txBox="1"/>
+          <p:nvPr/>
+        </p:nvSpPr>
+        <p:spPr>
+          <a:xfrm>
+            <a:off x="1177290" y="1619250"/>
+            <a:ext cx="9047480" cy="3006725"/>
+          </a:xfrm>
+          <a:prstGeom prst="rect">
+            <a:avLst/>
+          </a:prstGeom>
+          <a:noFill/>
+        </p:spPr>
+        <p:txBody>
+          <a:bodyPr wrap="square" rtlCol="0">
+            <a:noAutofit/>
+          </a:bodyPr>
+          <a:p>
+            <a:endParaRPr lang="zh-CN" altLang="en-US"/>
+          </a:p>
+          <a:p>
+            <a:endParaRPr lang="zh-CN" altLang="en-US"/>
+          </a:p>
+          <a:p>
+            <a:endParaRPr lang="zh-CN" altLang="en-US"/>
+          </a:p>
+          <a:p>
+            <a:endParaRPr lang="zh-CN" altLang="en-US"/>
+          </a:p>
+        </p:txBody>
+      </p:sp>
+    </p:spTree>
+  </p:cSld>
+  <p:clrMapOvr>
+    <a:masterClrMapping/>
+  </p:clrMapOvr>
+</p:sld>
+</file>
+
+<file path=ppt/slides/slide21.xml><?xml version="1.0" encoding="utf-8"?>
+<p:sld xmlns:a="http://schemas.openxmlformats.org/drawingml/2006/main" xmlns:r="http://schemas.openxmlformats.org/officeDocument/2006/relationships" xmlns:p="http://schemas.openxmlformats.org/presentationml/2006/main">
+  <p:cSld>
+    <p:spTree>
+      <p:nvGrpSpPr>
+        <p:cNvPr id="1" name=""/>
+        <p:cNvGrpSpPr/>
+        <p:nvPr/>
+      </p:nvGrpSpPr>
+      <p:grpSpPr/>
+      <p:sp>
+        <p:nvSpPr>
+          <p:cNvPr id="2" name="标题 1"/>
+          <p:cNvSpPr>
+            <a:spLocks noGrp="1"/>
+          </p:cNvSpPr>
+          <p:nvPr>
+            <p:ph type="title"/>
+          </p:nvPr>
+        </p:nvSpPr>
+        <p:spPr>
+          <a:xfrm>
+            <a:off x="838200" y="365125"/>
+            <a:ext cx="10515600" cy="845185"/>
+          </a:xfrm>
+        </p:spPr>
+        <p:txBody>
+          <a:bodyPr/>
+          <a:p>
+            <a:r>
+              <a:rPr lang="zh-CN" altLang="en-US"/>
+              <a:t>無心道</a:t>
+            </a:r>
+            <a:r>
+              <a:rPr lang="en-US" altLang="zh-CN"/>
+              <a:t>-019-</a:t>
+            </a:r>
+            <a:r>
+              <a:rPr lang="zh-CN" altLang="en-US"/>
+              <a:t>数据库性能</a:t>
+            </a:r>
+            <a:r>
+              <a:rPr lang="zh-CN" altLang="en-US"/>
+              <a:t>对比测试</a:t>
+            </a:r>
+            <a:endParaRPr lang="zh-CN" altLang="en-US"/>
+          </a:p>
+        </p:txBody>
+      </p:sp>
+      <p:sp>
+        <p:nvSpPr>
+          <p:cNvPr id="3" name="文本框 2"/>
+          <p:cNvSpPr txBox="1"/>
+          <p:nvPr/>
+        </p:nvSpPr>
+        <p:spPr>
+          <a:xfrm>
+            <a:off x="1177290" y="1619250"/>
+            <a:ext cx="9047480" cy="4365625"/>
+          </a:xfrm>
+          <a:prstGeom prst="rect">
+            <a:avLst/>
+          </a:prstGeom>
+          <a:noFill/>
+        </p:spPr>
+        <p:txBody>
+          <a:bodyPr wrap="square" rtlCol="0">
+            <a:noAutofit/>
+          </a:bodyPr>
+          <a:p>
+            <a:endParaRPr lang="zh-CN" altLang="en-US"/>
+          </a:p>
+          <a:p>
+            <a:endParaRPr lang="zh-CN" altLang="en-US"/>
+          </a:p>
+          <a:p>
+            <a:endParaRPr lang="zh-CN" altLang="en-US"/>
+          </a:p>
+          <a:p>
+            <a:r>
+              <a:rPr lang="zh-CN" altLang="en-US"/>
+              <a:t>最常见的主流数据库</a:t>
+            </a:r>
+            <a:r>
+              <a:rPr lang="en-US" altLang="zh-CN"/>
+              <a:t>mysql</a:t>
+            </a:r>
+            <a:r>
+              <a:rPr lang="zh-CN" altLang="en-US"/>
+              <a:t>和</a:t>
+            </a:r>
+            <a:r>
+              <a:rPr lang="en-US" altLang="zh-CN"/>
+              <a:t>pgsql</a:t>
+            </a:r>
+            <a:r>
+              <a:rPr lang="zh-CN" altLang="en-US"/>
+              <a:t>对比</a:t>
+            </a:r>
+            <a:endParaRPr lang="zh-CN" altLang="en-US"/>
+          </a:p>
+          <a:p>
+            <a:endParaRPr lang="zh-CN" altLang="en-US"/>
+          </a:p>
+          <a:p>
+            <a:r>
+              <a:rPr lang="en-US" altLang="zh-CN"/>
+              <a:t>6</a:t>
+            </a:r>
+            <a:r>
+              <a:rPr lang="zh-CN" altLang="en-US"/>
+              <a:t>核</a:t>
+            </a:r>
+            <a:r>
+              <a:rPr lang="en-US" altLang="zh-CN"/>
+              <a:t>5g</a:t>
+            </a:r>
+            <a:r>
+              <a:rPr lang="zh-CN" altLang="en-US"/>
+              <a:t>内存</a:t>
+            </a:r>
+            <a:r>
+              <a:rPr lang="en-US" altLang="zh-CN"/>
+              <a:t>ubuntu22 x64</a:t>
+            </a:r>
+            <a:r>
+              <a:rPr lang="zh-CN" altLang="en-US"/>
+              <a:t>版本（虚拟机不在</a:t>
+            </a:r>
+            <a:r>
+              <a:rPr lang="en-US" altLang="zh-CN"/>
+              <a:t>ssd</a:t>
+            </a:r>
+            <a:r>
+              <a:rPr lang="zh-CN" altLang="en-US"/>
+              <a:t>硬盘是</a:t>
+            </a:r>
+            <a:r>
+              <a:rPr lang="en-US" altLang="zh-CN"/>
+              <a:t>hd</a:t>
+            </a:r>
+            <a:r>
+              <a:rPr lang="zh-CN" altLang="en-US"/>
+              <a:t>硬盘）</a:t>
+            </a:r>
+            <a:endParaRPr lang="zh-CN" altLang="en-US"/>
+          </a:p>
+          <a:p>
+            <a:r>
+              <a:rPr lang="en-US" altLang="zh-CN"/>
+              <a:t>mysql 8.0, </a:t>
+            </a:r>
+            <a:r>
+              <a:rPr lang="zh-CN" altLang="en-US"/>
+              <a:t>对比的</a:t>
+            </a:r>
+            <a:r>
+              <a:rPr lang="en-US" altLang="zh-CN"/>
+              <a:t>pgsql  14</a:t>
+            </a:r>
+            <a:endParaRPr lang="zh-CN" altLang="en-US"/>
+          </a:p>
+          <a:p>
+            <a:endParaRPr lang="zh-CN" altLang="en-US"/>
+          </a:p>
+          <a:p>
+            <a:r>
+              <a:rPr lang="en-US" altLang="zh-CN"/>
+              <a:t>insert</a:t>
+            </a:r>
+            <a:r>
+              <a:rPr lang="zh-CN" altLang="en-US"/>
+              <a:t>（）</a:t>
+            </a:r>
+            <a:endParaRPr lang="zh-CN" altLang="en-US"/>
+          </a:p>
+          <a:p>
+            <a:r>
+              <a:rPr lang="en-US" altLang="zh-CN"/>
+              <a:t>select</a:t>
+            </a:r>
+            <a:endParaRPr lang="en-US" altLang="zh-CN"/>
+          </a:p>
+          <a:p>
+            <a:r>
+              <a:rPr lang="zh-CN" altLang="en-US"/>
+              <a:t>新增字段，数据库已经</a:t>
+            </a:r>
+            <a:r>
+              <a:rPr lang="en-US" altLang="zh-CN"/>
+              <a:t> </a:t>
+            </a:r>
+            <a:r>
+              <a:rPr lang="zh-CN" altLang="en-US"/>
+              <a:t>达到百万，千万</a:t>
+            </a:r>
+            <a:r>
+              <a:rPr lang="zh-CN" altLang="en-US"/>
+              <a:t>行，</a:t>
+            </a:r>
+            <a:endParaRPr lang="zh-CN" altLang="en-US"/>
+          </a:p>
+          <a:p>
+            <a:r>
+              <a:rPr lang="zh-CN" altLang="en-US"/>
+              <a:t>新增索引，这一步可能就会卡几十分钟；</a:t>
+            </a:r>
+            <a:endParaRPr lang="zh-CN" altLang="en-US"/>
+          </a:p>
+          <a:p>
+            <a:r>
+              <a:rPr lang="zh-CN" altLang="en-US"/>
+              <a:t> </a:t>
+            </a:r>
+            <a:r>
+              <a:rPr lang="en-US" altLang="zh-CN"/>
+              <a:t>    mysql</a:t>
+            </a:r>
+            <a:r>
+              <a:rPr lang="zh-CN" altLang="en-US"/>
+              <a:t>，</a:t>
+            </a:r>
+            <a:r>
+              <a:rPr lang="en-US" altLang="zh-CN"/>
+              <a:t>5.6</a:t>
+            </a:r>
+            <a:r>
+              <a:rPr lang="zh-CN" altLang="en-US"/>
+              <a:t>之前，</a:t>
+            </a:r>
+            <a:r>
+              <a:rPr lang="en-US" altLang="zh-CN"/>
+              <a:t>5.6</a:t>
+            </a:r>
+            <a:r>
+              <a:rPr lang="zh-CN" altLang="en-US"/>
+              <a:t>之后（包括</a:t>
+            </a:r>
+            <a:r>
+              <a:rPr lang="en-US" altLang="zh-CN"/>
+              <a:t>5.6</a:t>
+            </a:r>
+            <a:r>
+              <a:rPr lang="zh-CN" altLang="en-US"/>
+              <a:t>）</a:t>
+            </a:r>
+            <a:r>
+              <a:rPr lang="en-US" altLang="zh-CN"/>
+              <a:t>,5.7</a:t>
+            </a:r>
+            <a:r>
+              <a:rPr lang="zh-CN" altLang="en-US"/>
+              <a:t>，</a:t>
+            </a:r>
+            <a:r>
+              <a:rPr lang="en-US" altLang="zh-CN"/>
+              <a:t>8.0,</a:t>
+            </a:r>
+            <a:endParaRPr lang="en-US" altLang="zh-CN"/>
+          </a:p>
+          <a:p>
+            <a:endParaRPr lang="zh-CN" altLang="en-US"/>
+          </a:p>
+          <a:p>
+            <a:r>
+              <a:rPr lang="en-US" altLang="zh-CN"/>
+              <a:t>10w</a:t>
+            </a:r>
+            <a:r>
+              <a:rPr lang="zh-CN" altLang="en-US"/>
+              <a:t>数据写入性能</a:t>
+            </a:r>
+            <a:r>
+              <a:rPr lang="zh-CN" altLang="en-US"/>
+              <a:t>对比</a:t>
+            </a:r>
+            <a:endParaRPr lang="zh-CN" altLang="en-US"/>
+          </a:p>
+        </p:txBody>
+      </p:sp>
+    </p:spTree>
+  </p:cSld>
+  <p:clrMapOvr>
+    <a:masterClrMapping/>
+  </p:clrMapOvr>
+</p:sld>
+</file>
+
 <file path=ppt/slides/slide3.xml><?xml version="1.0" encoding="utf-8"?>
 <p:sld xmlns:a="http://schemas.openxmlformats.org/drawingml/2006/main" xmlns:r="http://schemas.openxmlformats.org/officeDocument/2006/relationships" xmlns:p="http://schemas.openxmlformats.org/presentationml/2006/main">
   <p:cSld>
@@ -5749,7 +6804,7 @@
 
 <file path=ppt/tags/tag1.xml><?xml version="1.0" encoding="utf-8"?>
 <p:tagLst xmlns:p="http://schemas.openxmlformats.org/presentationml/2006/main">
-  <p:tag name="commondata" val="eyJoZGlkIjoiM2M3ZWVjMzFhMWJmYTA5ODJjYzJlNzI0MThkOTA1YTUifQ=="/>
+  <p:tag name="commondata" val="eyJoZGlkIjoiOWI0NGMwMGM4NGM3NGYxZTBhOTNlMzEyY2FkOTE0OGQifQ=="/>
 </p:tagLst>
 </file>
 
